--- a/paper/parousiasiDiplw.pptx
+++ b/paper/parousiasiDiplw.pptx
@@ -152,6 +152,7 @@
 
 <file path=ppt/charts/chart1.xml><?xml version="1.0" encoding="utf-8"?>
 <c:chartSpace xmlns:c="http://schemas.openxmlformats.org/drawingml/2006/chart" xmlns:a="http://schemas.openxmlformats.org/drawingml/2006/main" xmlns:r="http://schemas.openxmlformats.org/officeDocument/2006/relationships">
+  <c:date1904 val="1"/>
   <c:lang val="en-US"/>
   <c:chart>
     <c:plotArea>
@@ -235,24 +236,24 @@
             </c:numRef>
           </c:val>
         </c:ser>
-        <c:axId val="169196160"/>
-        <c:axId val="170998400"/>
+        <c:axId val="105654912"/>
+        <c:axId val="105763200"/>
       </c:barChart>
       <c:catAx>
-        <c:axId val="169196160"/>
+        <c:axId val="105654912"/>
         <c:scaling>
           <c:orientation val="minMax"/>
         </c:scaling>
         <c:axPos val="b"/>
         <c:tickLblPos val="nextTo"/>
-        <c:crossAx val="170998400"/>
+        <c:crossAx val="105763200"/>
         <c:crosses val="autoZero"/>
         <c:auto val="1"/>
         <c:lblAlgn val="ctr"/>
         <c:lblOffset val="100"/>
       </c:catAx>
       <c:valAx>
-        <c:axId val="170998400"/>
+        <c:axId val="105763200"/>
         <c:scaling>
           <c:orientation val="minMax"/>
         </c:scaling>
@@ -260,7 +261,7 @@
         <c:majorGridlines/>
         <c:numFmt formatCode="General" sourceLinked="1"/>
         <c:tickLblPos val="nextTo"/>
-        <c:crossAx val="169196160"/>
+        <c:crossAx val="105654912"/>
         <c:crosses val="autoZero"/>
         <c:crossBetween val="between"/>
       </c:valAx>
@@ -358,7 +359,7 @@
             <a:fld id="{36AA02A8-2091-4230-A7F9-FF059CE9342E}" type="datetimeFigureOut">
               <a:rPr lang="en-US" smtClean="0"/>
               <a:pPr/>
-              <a:t>08-Mar-21</a:t>
+              <a:t>11-Mar-21</a:t>
             </a:fld>
             <a:endParaRPr lang="en-US"/>
           </a:p>
@@ -1250,7 +1251,7 @@
             <a:fld id="{D02AFA2C-787C-48B3-A5CA-E442D44F3484}" type="datetimeFigureOut">
               <a:rPr lang="en-US" smtClean="0"/>
               <a:pPr/>
-              <a:t>08-Mar-21</a:t>
+              <a:t>11-Mar-21</a:t>
             </a:fld>
             <a:endParaRPr lang="en-US"/>
           </a:p>
@@ -1448,7 +1449,7 @@
             <a:fld id="{D02AFA2C-787C-48B3-A5CA-E442D44F3484}" type="datetimeFigureOut">
               <a:rPr lang="en-US" smtClean="0"/>
               <a:pPr/>
-              <a:t>08-Mar-21</a:t>
+              <a:t>11-Mar-21</a:t>
             </a:fld>
             <a:endParaRPr lang="en-US"/>
           </a:p>
@@ -1635,7 +1636,7 @@
             <a:fld id="{D02AFA2C-787C-48B3-A5CA-E442D44F3484}" type="datetimeFigureOut">
               <a:rPr lang="en-US" smtClean="0"/>
               <a:pPr/>
-              <a:t>08-Mar-21</a:t>
+              <a:t>11-Mar-21</a:t>
             </a:fld>
             <a:endParaRPr lang="en-US"/>
           </a:p>
@@ -1787,7 +1788,7 @@
             <a:fld id="{D02AFA2C-787C-48B3-A5CA-E442D44F3484}" type="datetimeFigureOut">
               <a:rPr lang="en-US" smtClean="0"/>
               <a:pPr/>
-              <a:t>08-Mar-21</a:t>
+              <a:t>11-Mar-21</a:t>
             </a:fld>
             <a:endParaRPr lang="en-US"/>
           </a:p>
@@ -2044,7 +2045,7 @@
             <a:fld id="{D02AFA2C-787C-48B3-A5CA-E442D44F3484}" type="datetimeFigureOut">
               <a:rPr lang="en-US" smtClean="0"/>
               <a:pPr/>
-              <a:t>08-Mar-21</a:t>
+              <a:t>11-Mar-21</a:t>
             </a:fld>
             <a:endParaRPr lang="en-US"/>
           </a:p>
@@ -2455,7 +2456,7 @@
             <a:fld id="{D02AFA2C-787C-48B3-A5CA-E442D44F3484}" type="datetimeFigureOut">
               <a:rPr lang="en-US" smtClean="0"/>
               <a:pPr/>
-              <a:t>08-Mar-21</a:t>
+              <a:t>11-Mar-21</a:t>
             </a:fld>
             <a:endParaRPr lang="en-US"/>
           </a:p>
@@ -2903,7 +2904,7 @@
             <a:fld id="{D02AFA2C-787C-48B3-A5CA-E442D44F3484}" type="datetimeFigureOut">
               <a:rPr lang="en-US" smtClean="0"/>
               <a:pPr/>
-              <a:t>08-Mar-21</a:t>
+              <a:t>11-Mar-21</a:t>
             </a:fld>
             <a:endParaRPr lang="en-US"/>
           </a:p>
@@ -3006,7 +3007,7 @@
             <a:fld id="{D02AFA2C-787C-48B3-A5CA-E442D44F3484}" type="datetimeFigureOut">
               <a:rPr lang="en-US" smtClean="0"/>
               <a:pPr/>
-              <a:t>08-Mar-21</a:t>
+              <a:t>11-Mar-21</a:t>
             </a:fld>
             <a:endParaRPr lang="en-US"/>
           </a:p>
@@ -3129,7 +3130,7 @@
             <a:fld id="{D02AFA2C-787C-48B3-A5CA-E442D44F3484}" type="datetimeFigureOut">
               <a:rPr lang="en-US" smtClean="0"/>
               <a:pPr/>
-              <a:t>08-Mar-21</a:t>
+              <a:t>11-Mar-21</a:t>
             </a:fld>
             <a:endParaRPr lang="en-US"/>
           </a:p>
@@ -3405,7 +3406,7 @@
             <a:fld id="{D02AFA2C-787C-48B3-A5CA-E442D44F3484}" type="datetimeFigureOut">
               <a:rPr lang="en-US" smtClean="0"/>
               <a:pPr/>
-              <a:t>08-Mar-21</a:t>
+              <a:t>11-Mar-21</a:t>
             </a:fld>
             <a:endParaRPr lang="en-US"/>
           </a:p>
@@ -3612,7 +3613,7 @@
             <a:fld id="{D02AFA2C-787C-48B3-A5CA-E442D44F3484}" type="datetimeFigureOut">
               <a:rPr lang="en-US" smtClean="0"/>
               <a:pPr/>
-              <a:t>08-Mar-21</a:t>
+              <a:t>11-Mar-21</a:t>
             </a:fld>
             <a:endParaRPr lang="en-US"/>
           </a:p>
@@ -4723,7 +4724,7 @@
             <a:fld id="{D02AFA2C-787C-48B3-A5CA-E442D44F3484}" type="datetimeFigureOut">
               <a:rPr lang="en-US" smtClean="0"/>
               <a:pPr/>
-              <a:t>08-Mar-21</a:t>
+              <a:t>11-Mar-21</a:t>
             </a:fld>
             <a:endParaRPr lang="en-US"/>
           </a:p>
@@ -5156,7 +5157,7 @@
             <a:pPr algn="ctr"/>
             <a:r>
               <a:rPr lang="el-GR" dirty="0" smtClean="0"/>
-              <a:t>Υλοποίηση μνήμης </a:t>
+              <a:t>Υλοποίηση μηχανισμού ελαστικής μνήμης </a:t>
             </a:r>
             <a:r>
               <a:rPr lang="en-US" dirty="0" smtClean="0"/>
@@ -5716,7 +5717,7 @@
         <p:spPr>
           <a:xfrm>
             <a:off x="838200" y="1295400"/>
-            <a:ext cx="6629400" cy="646331"/>
+            <a:ext cx="8001000" cy="369332"/>
           </a:xfrm>
           <a:prstGeom prst="rect">
             <a:avLst/>
@@ -5745,7 +5746,7 @@
         </p:nvSpPr>
         <p:spPr>
           <a:xfrm>
-            <a:off x="762000" y="4267200"/>
+            <a:off x="609600" y="4038600"/>
             <a:ext cx="6858000" cy="646331"/>
           </a:xfrm>
           <a:prstGeom prst="rect">
@@ -5775,7 +5776,7 @@
         </p:nvSpPr>
         <p:spPr>
           <a:xfrm>
-            <a:off x="685800" y="5105400"/>
+            <a:off x="609600" y="5181600"/>
             <a:ext cx="7543800" cy="369332"/>
           </a:xfrm>
           <a:prstGeom prst="rect">
@@ -5813,7 +5814,7 @@
         </p:nvSpPr>
         <p:spPr>
           <a:xfrm>
-            <a:off x="457200" y="2362200"/>
+            <a:off x="533400" y="2362200"/>
             <a:ext cx="8382000" cy="1138773"/>
           </a:xfrm>
           <a:prstGeom prst="rect">
@@ -5845,7 +5846,7 @@
             </a:r>
             <a:r>
               <a:rPr lang="en-US" sz="1400" dirty="0" smtClean="0"/>
-              <a:t>B)</a:t>
+              <a:t>B</a:t>
             </a:r>
           </a:p>
           <a:p>
@@ -5871,7 +5872,7 @@
             </a:r>
             <a:r>
               <a:rPr lang="el-GR" sz="1400" dirty="0" smtClean="0"/>
-              <a:t>μόνο μια εφαρμογή εκτελείται)</a:t>
+              <a:t>μόνο μια εφαρμογή εκτελείται</a:t>
             </a:r>
           </a:p>
           <a:p>
@@ -6229,8 +6230,8 @@
         </p:nvSpPr>
         <p:spPr>
           <a:xfrm>
-            <a:off x="1219200" y="838200"/>
-            <a:ext cx="2819400" cy="369332"/>
+            <a:off x="1752600" y="838200"/>
+            <a:ext cx="1676400" cy="369332"/>
           </a:xfrm>
           <a:prstGeom prst="rect">
             <a:avLst/>
@@ -6263,8 +6264,8 @@
         </p:nvSpPr>
         <p:spPr>
           <a:xfrm>
-            <a:off x="4191000" y="838200"/>
-            <a:ext cx="2819400" cy="369332"/>
+            <a:off x="4724400" y="838200"/>
+            <a:ext cx="1219200" cy="369332"/>
           </a:xfrm>
           <a:prstGeom prst="rect">
             <a:avLst/>
@@ -6620,26 +6621,6 @@
               <a:rPr lang="en-US" sz="1200" dirty="0" err="1" smtClean="0"/>
               <a:t>OCaml</a:t>
             </a:r>
-            <a:r>
-              <a:rPr lang="en-US" sz="1200" dirty="0" smtClean="0"/>
-              <a:t>. </a:t>
-            </a:r>
-            <a:r>
-              <a:rPr lang="en-US" sz="1200" dirty="0" err="1" smtClean="0"/>
-              <a:t>Xen</a:t>
-            </a:r>
-            <a:r>
-              <a:rPr lang="en-US" sz="1200" dirty="0" smtClean="0"/>
-              <a:t> </a:t>
-            </a:r>
-            <a:r>
-              <a:rPr lang="el-GR" sz="1200" dirty="0" smtClean="0"/>
-              <a:t>και </a:t>
-            </a:r>
-            <a:r>
-              <a:rPr lang="en-US" sz="1200" dirty="0" smtClean="0"/>
-              <a:t>KVM</a:t>
-            </a:r>
             <a:endParaRPr lang="en-US" sz="1200" dirty="0"/>
           </a:p>
         </p:txBody>
@@ -6653,7 +6634,7 @@
         <p:spPr>
           <a:xfrm>
             <a:off x="304800" y="2819400"/>
-            <a:ext cx="3276600" cy="861774"/>
+            <a:ext cx="3276600" cy="677108"/>
           </a:xfrm>
           <a:prstGeom prst="rect">
             <a:avLst/>
@@ -6673,14 +6654,6 @@
             <a:endParaRPr lang="en-US" sz="1400" dirty="0" smtClean="0"/>
           </a:p>
           <a:p>
-            <a:r>
-              <a:rPr lang="el-GR" sz="1200" dirty="0" smtClean="0"/>
-              <a:t>Σχετικά νέο </a:t>
-            </a:r>
-            <a:r>
-              <a:rPr lang="en-US" sz="1200" dirty="0" smtClean="0"/>
-              <a:t>framework. </a:t>
-            </a:r>
             <a:r>
               <a:rPr lang="el-GR" sz="1200" dirty="0" smtClean="0"/>
               <a:t>Γλώσσα </a:t>
@@ -6856,7 +6829,7 @@
             </a:r>
             <a:r>
               <a:rPr lang="el-GR" sz="1400" dirty="0" smtClean="0"/>
-              <a:t>Σκοπός: Εκτέλεση οποισδήποτε </a:t>
+              <a:t>Σκοπός: Εκτέλεση οποιασδήποτε </a:t>
             </a:r>
             <a:r>
               <a:rPr lang="en-US" sz="1400" dirty="0" smtClean="0"/>
@@ -6864,7 +6837,13 @@
             </a:r>
             <a:r>
               <a:rPr lang="el-GR" sz="1400" dirty="0" smtClean="0"/>
-              <a:t>εφαρμογής. Συστατικά από το </a:t>
+              <a:t>εφαρμογής. </a:t>
+            </a:r>
+          </a:p>
+          <a:p>
+            <a:r>
+              <a:rPr lang="el-GR" sz="1400" dirty="0" smtClean="0"/>
+              <a:t>Στοιχεία από το </a:t>
             </a:r>
             <a:r>
               <a:rPr lang="en-US" sz="1400" dirty="0" smtClean="0"/>
@@ -6981,7 +6960,7 @@
         </p:nvSpPr>
         <p:spPr>
           <a:xfrm>
-            <a:off x="2514600" y="5638800"/>
+            <a:off x="838200" y="5638800"/>
             <a:ext cx="5791200" cy="369332"/>
           </a:xfrm>
           <a:prstGeom prst="rect">
@@ -7495,7 +7474,7 @@
           <a:lstStyle/>
           <a:p>
             <a:r>
-              <a:rPr lang="en-US" dirty="0" err="1" smtClean="0"/>
+              <a:rPr lang="en-US" dirty="0" smtClean="0"/>
               <a:t>Anykernel</a:t>
             </a:r>
             <a:endParaRPr lang="en-US" dirty="0"/>
@@ -7519,7 +7498,7 @@
         </p:blipFill>
         <p:spPr bwMode="auto">
           <a:xfrm>
-            <a:off x="685800" y="1295400"/>
+            <a:off x="457200" y="1524000"/>
             <a:ext cx="1396767" cy="1371600"/>
           </a:xfrm>
           <a:prstGeom prst="rect">
@@ -7543,8 +7522,8 @@
         </p:nvSpPr>
         <p:spPr>
           <a:xfrm>
-            <a:off x="609600" y="2819400"/>
-            <a:ext cx="2590800" cy="800219"/>
+            <a:off x="2438400" y="1981200"/>
+            <a:ext cx="3886200" cy="584775"/>
           </a:xfrm>
           <a:prstGeom prst="rect">
             <a:avLst/>
@@ -7557,6 +7536,7 @@
           </a:bodyPr>
           <a:lstStyle/>
           <a:p>
+            <a:pPr algn="ctr"/>
             <a:r>
               <a:rPr lang="en-US" dirty="0" err="1" smtClean="0"/>
               <a:t>Antii</a:t>
@@ -7572,6 +7552,7 @@
             <a:endParaRPr lang="en-US" dirty="0" smtClean="0"/>
           </a:p>
           <a:p>
+            <a:pPr algn="ctr"/>
             <a:r>
               <a:rPr lang="el-GR" sz="1400" dirty="0" smtClean="0"/>
               <a:t>Δημιουργός των </a:t>
@@ -7600,8 +7581,8 @@
         </p:nvSpPr>
         <p:spPr>
           <a:xfrm>
-            <a:off x="228600" y="4876800"/>
-            <a:ext cx="4724400" cy="923330"/>
+            <a:off x="152400" y="3581400"/>
+            <a:ext cx="7696200" cy="646331"/>
           </a:xfrm>
           <a:prstGeom prst="rect">
             <a:avLst/>
@@ -7615,7 +7596,7 @@
           <a:lstStyle/>
           <a:p>
             <a:r>
-              <a:rPr lang="en-US" b="1" dirty="0" err="1" smtClean="0"/>
+              <a:rPr lang="en-US" b="1" dirty="0" smtClean="0"/>
               <a:t>Anykernel</a:t>
             </a:r>
             <a:r>
@@ -7655,7 +7636,7 @@
         </p:blipFill>
         <p:spPr bwMode="auto">
           <a:xfrm>
-            <a:off x="5257800" y="1295400"/>
+            <a:off x="0" y="4953000"/>
             <a:ext cx="1752600" cy="1141436"/>
           </a:xfrm>
           <a:prstGeom prst="rect">
@@ -7679,7 +7660,7 @@
         </p:nvSpPr>
         <p:spPr>
           <a:xfrm>
-            <a:off x="4038600" y="2743200"/>
+            <a:off x="2286000" y="5181600"/>
             <a:ext cx="4572000" cy="646331"/>
           </a:xfrm>
           <a:prstGeom prst="rect">
@@ -7708,7 +7689,7 @@
               <a:t>Ταιρίαζει στην φιλοσοφία του </a:t>
             </a:r>
             <a:r>
-              <a:rPr lang="en-US" dirty="0" err="1" smtClean="0"/>
+              <a:rPr lang="en-US" dirty="0" smtClean="0"/>
               <a:t>anykernel</a:t>
             </a:r>
             <a:endParaRPr lang="en-US" dirty="0"/>
@@ -8034,7 +8015,7 @@
         </p:nvSpPr>
         <p:spPr>
           <a:xfrm>
-            <a:off x="609600" y="3200400"/>
+            <a:off x="533400" y="3200400"/>
             <a:ext cx="5181600" cy="369332"/>
           </a:xfrm>
           <a:prstGeom prst="rect">
@@ -8064,7 +8045,7 @@
         </p:nvSpPr>
         <p:spPr>
           <a:xfrm>
-            <a:off x="533400" y="2133600"/>
+            <a:off x="533400" y="2286000"/>
             <a:ext cx="7924800" cy="646331"/>
           </a:xfrm>
           <a:prstGeom prst="rect">
@@ -8118,7 +8099,7 @@
         </p:nvSpPr>
         <p:spPr>
           <a:xfrm>
-            <a:off x="685800" y="4114800"/>
+            <a:off x="533400" y="4114800"/>
             <a:ext cx="6934200" cy="646331"/>
           </a:xfrm>
           <a:prstGeom prst="rect">
@@ -9225,7 +9206,7 @@
             </a:r>
             <a:r>
               <a:rPr lang="en-US" dirty="0" smtClean="0"/>
-              <a:t>utmem.</a:t>
+              <a:t>utmem</a:t>
             </a:r>
             <a:endParaRPr lang="en-US" dirty="0"/>
           </a:p>
@@ -9275,7 +9256,7 @@
             </a:r>
             <a:r>
               <a:rPr lang="el-GR" dirty="0" smtClean="0"/>
-              <a:t>να βρει εύκολα αξία</a:t>
+              <a:t>να αποκτήσει αξία εύκολα</a:t>
             </a:r>
             <a:r>
               <a:rPr lang="en-US" dirty="0" smtClean="0"/>
@@ -9535,7 +9516,7 @@
         </p:nvSpPr>
         <p:spPr>
           <a:xfrm>
-            <a:off x="457200" y="1447800"/>
+            <a:off x="533400" y="1447800"/>
             <a:ext cx="8001000" cy="646331"/>
           </a:xfrm>
           <a:prstGeom prst="rect">
@@ -9555,11 +9536,7 @@
             </a:r>
             <a:r>
               <a:rPr lang="en-US" dirty="0" smtClean="0"/>
-              <a:t>(</a:t>
-            </a:r>
-            <a:r>
-              <a:rPr lang="en-US" dirty="0" smtClean="0"/>
-              <a:t>R</a:t>
+              <a:t>(R</a:t>
             </a:r>
             <a:r>
               <a:rPr lang="el-GR" dirty="0" smtClean="0"/>
@@ -9909,25 +9886,6 @@
           </a:p>
         </p:txBody>
       </p:sp>
-      <p:sp>
-        <p:nvSpPr>
-          <p:cNvPr id="3" name="Title 2"/>
-          <p:cNvSpPr>
-            <a:spLocks noGrp="1"/>
-          </p:cNvSpPr>
-          <p:nvPr>
-            <p:ph type="title"/>
-          </p:nvPr>
-        </p:nvSpPr>
-        <p:spPr/>
-        <p:txBody>
-          <a:bodyPr/>
-          <a:lstStyle/>
-          <a:p>
-            <a:endParaRPr lang="en-US"/>
-          </a:p>
-        </p:txBody>
-      </p:sp>
     </p:spTree>
   </p:cSld>
   <p:clrMapOvr>
@@ -9960,6 +9918,39 @@
           <a:chExt cx="0" cy="0"/>
         </a:xfrm>
       </p:grpSpPr>
+      <p:pic>
+        <p:nvPicPr>
+          <p:cNvPr id="1026" name="Picture 2"/>
+          <p:cNvPicPr>
+            <a:picLocks noChangeAspect="1" noChangeArrowheads="1"/>
+          </p:cNvPicPr>
+          <p:nvPr/>
+        </p:nvPicPr>
+        <p:blipFill>
+          <a:blip r:embed="rId2"/>
+          <a:srcRect/>
+          <a:stretch>
+            <a:fillRect/>
+          </a:stretch>
+        </p:blipFill>
+        <p:spPr bwMode="auto">
+          <a:xfrm>
+            <a:off x="0" y="4124325"/>
+            <a:ext cx="4298002" cy="2733675"/>
+          </a:xfrm>
+          <a:prstGeom prst="rect">
+            <a:avLst/>
+          </a:prstGeom>
+          <a:noFill/>
+          <a:ln w="9525">
+            <a:noFill/>
+            <a:miter lim="800000"/>
+            <a:headEnd/>
+            <a:tailEnd/>
+          </a:ln>
+          <a:effectLst/>
+        </p:spPr>
+      </p:pic>
       <p:sp>
         <p:nvSpPr>
           <p:cNvPr id="4" name="TextBox 3"/>
@@ -9984,7 +9975,7 @@
           <a:p>
             <a:r>
               <a:rPr lang="el-GR" dirty="0" smtClean="0"/>
-              <a:t>Στα εικονικοποιημένα περιβάλλοντα το πρόβλημα γίνεται πιο σύνθετο</a:t>
+              <a:t>Στα εικονικοποιημένα περιβάλλοντα το πρόβλημα γίνεται ακόμα πιο σύνθετο</a:t>
             </a:r>
             <a:endParaRPr lang="en-US" dirty="0"/>
           </a:p>
@@ -10026,7 +10017,7 @@
         </p:nvSpPr>
         <p:spPr>
           <a:xfrm>
-            <a:off x="1371600" y="2514600"/>
+            <a:off x="533400" y="1981200"/>
             <a:ext cx="6477000" cy="923330"/>
           </a:xfrm>
           <a:prstGeom prst="rect">
@@ -10046,23 +10037,39 @@
             </a:r>
           </a:p>
           <a:p>
-            <a:r>
-              <a:rPr lang="el-GR" dirty="0" smtClean="0"/>
-              <a:t>α. </a:t>
+            <a:pPr>
+              <a:buFont typeface="Arial" pitchFamily="34" charset="0"/>
+              <a:buChar char="•"/>
+            </a:pPr>
+            <a:r>
+              <a:rPr lang="en-US" b="1" dirty="0" smtClean="0"/>
+              <a:t>E</a:t>
             </a:r>
             <a:r>
               <a:rPr lang="el-GR" b="1" dirty="0" smtClean="0"/>
-              <a:t>επάρκεια μνήμης </a:t>
-            </a:r>
-          </a:p>
-          <a:p>
-            <a:r>
-              <a:rPr lang="el-GR" dirty="0" smtClean="0"/>
-              <a:t>β. </a:t>
+              <a:t>πάρκεια </a:t>
             </a:r>
             <a:r>
               <a:rPr lang="el-GR" b="1" dirty="0" smtClean="0"/>
-              <a:t>σωστή κατανομή </a:t>
+              <a:t>μνήμης </a:t>
+            </a:r>
+          </a:p>
+          <a:p>
+            <a:pPr>
+              <a:buFont typeface="Arial" pitchFamily="34" charset="0"/>
+              <a:buChar char="•"/>
+            </a:pPr>
+            <a:r>
+              <a:rPr lang="el-GR" b="1" dirty="0" smtClean="0"/>
+              <a:t>Σ</a:t>
+            </a:r>
+            <a:r>
+              <a:rPr lang="el-GR" b="1" dirty="0" smtClean="0"/>
+              <a:t>ωστή </a:t>
+            </a:r>
+            <a:r>
+              <a:rPr lang="el-GR" b="1" dirty="0" smtClean="0"/>
+              <a:t>κατανομή </a:t>
             </a:r>
             <a:r>
               <a:rPr lang="el-GR" dirty="0" smtClean="0"/>
@@ -10084,8 +10091,8 @@
         </p:nvSpPr>
         <p:spPr>
           <a:xfrm>
-            <a:off x="990600" y="4343400"/>
-            <a:ext cx="6705600" cy="1477328"/>
+            <a:off x="1219200" y="2971800"/>
+            <a:ext cx="5638800" cy="1477328"/>
           </a:xfrm>
           <a:prstGeom prst="rect">
             <a:avLst/>
@@ -10111,6 +10118,77 @@
               <a:rPr lang="el-GR" dirty="0" smtClean="0"/>
               <a:t>-Από την άλλη, το να δώσουμε λιγότερη από ό,τι πρέπει οδηγεί στην κακή χρήση του πόρου</a:t>
             </a:r>
+            <a:endParaRPr lang="en-US" dirty="0"/>
+          </a:p>
+        </p:txBody>
+      </p:sp>
+      <p:sp>
+        <p:nvSpPr>
+          <p:cNvPr id="10" name="TextBox 9"/>
+          <p:cNvSpPr txBox="1"/>
+          <p:nvPr/>
+        </p:nvSpPr>
+        <p:spPr>
+          <a:xfrm>
+            <a:off x="4495800" y="4572000"/>
+            <a:ext cx="4495800" cy="2031325"/>
+          </a:xfrm>
+          <a:prstGeom prst="rect">
+            <a:avLst/>
+          </a:prstGeom>
+          <a:noFill/>
+        </p:spPr>
+        <p:txBody>
+          <a:bodyPr wrap="square" rtlCol="0">
+            <a:spAutoFit/>
+          </a:bodyPr>
+          <a:lstStyle/>
+          <a:p>
+            <a:r>
+              <a:rPr lang="en-US" b="1" dirty="0" smtClean="0"/>
+              <a:t>Ballooning</a:t>
+            </a:r>
+            <a:r>
+              <a:rPr lang="en-US" dirty="0" smtClean="0"/>
+              <a:t>:</a:t>
+            </a:r>
+            <a:r>
+              <a:rPr lang="el-GR" dirty="0" smtClean="0"/>
+              <a:t> δυναμική αυξομοίωση της μνήμης του </a:t>
+            </a:r>
+            <a:r>
+              <a:rPr lang="en-US" dirty="0" smtClean="0"/>
+              <a:t>guest</a:t>
+            </a:r>
+            <a:r>
+              <a:rPr lang="el-GR" dirty="0" smtClean="0"/>
+              <a:t> ανάλογα με τις ανάγκες του</a:t>
+            </a:r>
+          </a:p>
+          <a:p>
+            <a:endParaRPr lang="el-GR" dirty="0" smtClean="0"/>
+          </a:p>
+          <a:p>
+            <a:r>
+              <a:rPr lang="el-GR" dirty="0" smtClean="0"/>
+              <a:t>Στην πράξη έχει αδυναμίες.</a:t>
+            </a:r>
+          </a:p>
+          <a:p>
+            <a:r>
+              <a:rPr lang="el-GR" dirty="0" smtClean="0"/>
+              <a:t>Ο </a:t>
+            </a:r>
+            <a:r>
+              <a:rPr lang="en-US" dirty="0" smtClean="0"/>
+              <a:t>guest </a:t>
+            </a:r>
+            <a:r>
+              <a:rPr lang="el-GR" dirty="0" smtClean="0"/>
+              <a:t>συμπεριφέρται «άπληστα» ως προς την μνήμη</a:t>
+            </a:r>
+          </a:p>
+          <a:p>
             <a:endParaRPr lang="en-US" dirty="0"/>
           </a:p>
         </p:txBody>
@@ -10222,6 +10300,94 @@
                                         <p:cTn id="12" dur="500"/>
                                         <p:tgtEl>
                                           <p:spTgt spid="9"/>
+                                        </p:tgtEl>
+                                      </p:cBhvr>
+                                    </p:animEffect>
+                                  </p:childTnLst>
+                                </p:cTn>
+                              </p:par>
+                              <p:par>
+                                <p:cTn id="13" presetID="3" presetClass="entr" presetSubtype="10" fill="hold" nodeType="withEffect">
+                                  <p:stCondLst>
+                                    <p:cond delay="0"/>
+                                  </p:stCondLst>
+                                  <p:childTnLst>
+                                    <p:set>
+                                      <p:cBhvr>
+                                        <p:cTn id="14" dur="1" fill="hold">
+                                          <p:stCondLst>
+                                            <p:cond delay="0"/>
+                                          </p:stCondLst>
+                                        </p:cTn>
+                                        <p:tgtEl>
+                                          <p:spTgt spid="1026"/>
+                                        </p:tgtEl>
+                                        <p:attrNameLst>
+                                          <p:attrName>style.visibility</p:attrName>
+                                        </p:attrNameLst>
+                                      </p:cBhvr>
+                                      <p:to>
+                                        <p:strVal val="visible"/>
+                                      </p:to>
+                                    </p:set>
+                                    <p:animEffect transition="in" filter="blinds(horizontal)">
+                                      <p:cBhvr>
+                                        <p:cTn id="15" dur="500"/>
+                                        <p:tgtEl>
+                                          <p:spTgt spid="1026"/>
+                                        </p:tgtEl>
+                                      </p:cBhvr>
+                                    </p:animEffect>
+                                  </p:childTnLst>
+                                </p:cTn>
+                              </p:par>
+                            </p:childTnLst>
+                          </p:cTn>
+                        </p:par>
+                      </p:childTnLst>
+                    </p:cTn>
+                  </p:par>
+                  <p:par>
+                    <p:cTn id="16" fill="hold">
+                      <p:stCondLst>
+                        <p:cond delay="indefinite"/>
+                      </p:stCondLst>
+                      <p:childTnLst>
+                        <p:par>
+                          <p:cTn id="17" fill="hold">
+                            <p:stCondLst>
+                              <p:cond delay="0"/>
+                            </p:stCondLst>
+                            <p:childTnLst>
+                              <p:par>
+                                <p:cTn id="18" presetID="3" presetClass="entr" presetSubtype="10" fill="hold" grpId="0" nodeType="clickEffect">
+                                  <p:stCondLst>
+                                    <p:cond delay="0"/>
+                                  </p:stCondLst>
+                                  <p:childTnLst>
+                                    <p:set>
+                                      <p:cBhvr>
+                                        <p:cTn id="19" dur="1" fill="hold">
+                                          <p:stCondLst>
+                                            <p:cond delay="0"/>
+                                          </p:stCondLst>
+                                        </p:cTn>
+                                        <p:tgtEl>
+                                          <p:spTgt spid="10"/>
+                                        </p:tgtEl>
+                                        <p:attrNameLst>
+                                          <p:attrName>style.visibility</p:attrName>
+                                        </p:attrNameLst>
+                                      </p:cBhvr>
+                                      <p:to>
+                                        <p:strVal val="visible"/>
+                                      </p:to>
+                                    </p:set>
+                                    <p:animEffect transition="in" filter="blinds(horizontal)">
+                                      <p:cBhvr>
+                                        <p:cTn id="20" dur="500"/>
+                                        <p:tgtEl>
+                                          <p:spTgt spid="10"/>
                                         </p:tgtEl>
                                       </p:cBhvr>
                                     </p:animEffect>
@@ -10258,6 +10424,7 @@
     <p:bldLst>
       <p:bldP spid="8" grpId="0"/>
       <p:bldP spid="9" grpId="0"/>
+      <p:bldP spid="10" grpId="0"/>
     </p:bldLst>
   </p:timing>
 </p:sld>
@@ -10297,11 +10464,7 @@
           <a:p>
             <a:r>
               <a:rPr lang="en-US" dirty="0" smtClean="0"/>
-              <a:t>Transcendent </a:t>
-            </a:r>
-            <a:r>
-              <a:rPr lang="en-US" dirty="0" smtClean="0"/>
-              <a:t>Memory</a:t>
+              <a:t>Transcendent Memory</a:t>
             </a:r>
             <a:r>
               <a:rPr lang="el-GR" dirty="0" smtClean="0"/>
@@ -10425,7 +10588,7 @@
             </a:r>
             <a:r>
               <a:rPr lang="en-US" dirty="0" smtClean="0"/>
-              <a:t>host, </a:t>
+              <a:t>guest, </a:t>
             </a:r>
             <a:r>
               <a:rPr lang="el-GR" dirty="0" smtClean="0"/>
@@ -10467,7 +10630,7 @@
             </a:r>
             <a:r>
               <a:rPr lang="en-US" dirty="0" smtClean="0"/>
-              <a:t>host</a:t>
+              <a:t>guest</a:t>
             </a:r>
             <a:r>
               <a:rPr lang="el-GR" dirty="0" smtClean="0"/>
@@ -10871,11 +11034,7 @@
             </a:r>
             <a:r>
               <a:rPr lang="en-US" dirty="0" smtClean="0"/>
-              <a:t> tmem </a:t>
-            </a:r>
-            <a:r>
-              <a:rPr lang="en-US" dirty="0" smtClean="0"/>
-              <a:t>(utmem)</a:t>
+              <a:t> tmem (utmem)</a:t>
             </a:r>
             <a:endParaRPr lang="en-US" dirty="0"/>
           </a:p>
@@ -10967,19 +11126,27 @@
             </a:r>
             <a:r>
               <a:rPr lang="el-GR" dirty="0" smtClean="0"/>
-              <a:t>και αποδείχθηκε πως επιταχύνει την εκτέλεση </a:t>
-            </a:r>
-            <a:r>
-              <a:rPr lang="en-US" dirty="0" err="1" smtClean="0"/>
+              <a:t>και αποδείχθηκε πως </a:t>
+            </a:r>
+            <a:r>
+              <a:rPr lang="el-GR" b="1" dirty="0" smtClean="0"/>
+              <a:t>επιταχύνει την εκτέλεση </a:t>
+            </a:r>
+            <a:r>
+              <a:rPr lang="en-US" b="1" dirty="0" err="1" smtClean="0"/>
               <a:t>linux</a:t>
             </a:r>
             <a:r>
-              <a:rPr lang="en-US" dirty="0" smtClean="0"/>
+              <a:rPr lang="en-US" b="1" dirty="0" smtClean="0"/>
               <a:t> </a:t>
             </a:r>
             <a:r>
-              <a:rPr lang="el-GR" dirty="0" smtClean="0"/>
-              <a:t>εφαρμογών όταν η μνήμη είναι περιορισμένη</a:t>
+              <a:rPr lang="el-GR" b="1" dirty="0" smtClean="0"/>
+              <a:t>εφαρμογών </a:t>
+            </a:r>
+            <a:r>
+              <a:rPr lang="el-GR" dirty="0" smtClean="0"/>
+              <a:t>όταν η μνήμη είναι περιορισμένη</a:t>
             </a:r>
             <a:endParaRPr lang="en-US" dirty="0"/>
           </a:p>
@@ -11412,26 +11579,38 @@
           <a:lstStyle/>
           <a:p>
             <a:r>
-              <a:rPr lang="en-US" dirty="0" smtClean="0"/>
-              <a:t>NetBSD</a:t>
-            </a:r>
-          </a:p>
-          <a:p>
+              <a:rPr lang="el-GR" dirty="0" smtClean="0"/>
+              <a:t>Κλήση συστήματος (</a:t>
+            </a:r>
             <a:r>
               <a:rPr lang="en-US" dirty="0" smtClean="0"/>
               <a:t>System call</a:t>
             </a:r>
-          </a:p>
-          <a:p>
+            <a:r>
+              <a:rPr lang="el-GR" dirty="0" smtClean="0"/>
+              <a:t>)</a:t>
+            </a:r>
+            <a:endParaRPr lang="en-US" dirty="0" smtClean="0"/>
+          </a:p>
+          <a:p>
+            <a:r>
+              <a:rPr lang="el-GR" dirty="0" smtClean="0"/>
+              <a:t>Κλήση συνάρτησης (</a:t>
+            </a:r>
             <a:r>
               <a:rPr lang="en-US" dirty="0" smtClean="0"/>
               <a:t>Function call</a:t>
             </a:r>
-          </a:p>
-          <a:p>
-            <a:r>
-              <a:rPr lang="el-GR" dirty="0" smtClean="0"/>
-              <a:t>Προβλήματα</a:t>
+            <a:r>
+              <a:rPr lang="el-GR" dirty="0" smtClean="0"/>
+              <a:t>)</a:t>
+            </a:r>
+            <a:endParaRPr lang="en-US" dirty="0" smtClean="0"/>
+          </a:p>
+          <a:p>
+            <a:r>
+              <a:rPr lang="el-GR" dirty="0" smtClean="0"/>
+              <a:t>Εμπόδια</a:t>
             </a:r>
             <a:endParaRPr lang="en-US" dirty="0"/>
           </a:p>
@@ -11469,227 +11648,6 @@
           <a:chExt cx="0" cy="0"/>
         </a:xfrm>
       </p:grpSpPr>
-      <p:sp>
-        <p:nvSpPr>
-          <p:cNvPr id="3" name="Title 2"/>
-          <p:cNvSpPr>
-            <a:spLocks noGrp="1"/>
-          </p:cNvSpPr>
-          <p:nvPr>
-            <p:ph type="title"/>
-          </p:nvPr>
-        </p:nvSpPr>
-        <p:spPr/>
-        <p:txBody>
-          <a:bodyPr/>
-          <a:lstStyle/>
-          <a:p>
-            <a:r>
-              <a:rPr lang="el-GR" dirty="0" smtClean="0"/>
-              <a:t>Δομή </a:t>
-            </a:r>
-            <a:r>
-              <a:rPr lang="en-US" dirty="0" smtClean="0"/>
-              <a:t>utmem</a:t>
-            </a:r>
-            <a:endParaRPr lang="en-US" dirty="0"/>
-          </a:p>
-        </p:txBody>
-      </p:sp>
-      <p:sp>
-        <p:nvSpPr>
-          <p:cNvPr id="7" name="TextBox 6"/>
-          <p:cNvSpPr txBox="1"/>
-          <p:nvPr/>
-        </p:nvSpPr>
-        <p:spPr>
-          <a:xfrm>
-            <a:off x="4343400" y="1066800"/>
-            <a:ext cx="4495800" cy="1354217"/>
-          </a:xfrm>
-          <a:prstGeom prst="rect">
-            <a:avLst/>
-          </a:prstGeom>
-          <a:noFill/>
-        </p:spPr>
-        <p:txBody>
-          <a:bodyPr wrap="square" rtlCol="0">
-            <a:spAutoFit/>
-          </a:bodyPr>
-          <a:lstStyle/>
-          <a:p>
-            <a:pPr>
-              <a:buFont typeface="Arial" pitchFamily="34" charset="0"/>
-              <a:buChar char="•"/>
-            </a:pPr>
-            <a:r>
-              <a:rPr lang="el-GR" dirty="0" smtClean="0"/>
-              <a:t>Εικονική συσκευή (</a:t>
-            </a:r>
-            <a:r>
-              <a:rPr lang="en-US" dirty="0" smtClean="0"/>
-              <a:t>virtual device) </a:t>
-            </a:r>
-            <a:r>
-              <a:rPr lang="el-GR" sz="1400" dirty="0" smtClean="0"/>
-              <a:t>την οποία χρησιμοποιούν τα προγράματα</a:t>
-            </a:r>
-          </a:p>
-          <a:p>
-            <a:pPr>
-              <a:buFont typeface="Arial" pitchFamily="34" charset="0"/>
-              <a:buChar char="•"/>
-            </a:pPr>
-            <a:r>
-              <a:rPr lang="el-GR" dirty="0" smtClean="0"/>
-              <a:t>Εσωτερικός </a:t>
-            </a:r>
-            <a:r>
-              <a:rPr lang="en-US" dirty="0" smtClean="0"/>
-              <a:t>driver </a:t>
-            </a:r>
-            <a:r>
-              <a:rPr lang="el-GR" sz="1400" dirty="0" smtClean="0"/>
-              <a:t>που επικοινωνέι με το </a:t>
-            </a:r>
-            <a:r>
-              <a:rPr lang="en-US" sz="1400" dirty="0" smtClean="0"/>
-              <a:t>KVM</a:t>
-            </a:r>
-          </a:p>
-          <a:p>
-            <a:pPr>
-              <a:buFont typeface="Arial" pitchFamily="34" charset="0"/>
-              <a:buChar char="•"/>
-            </a:pPr>
-            <a:r>
-              <a:rPr lang="en-US" dirty="0" smtClean="0"/>
-              <a:t>Utmem backend </a:t>
-            </a:r>
-            <a:r>
-              <a:rPr lang="el-GR" sz="1400" dirty="0" smtClean="0"/>
-              <a:t>αποθηκεύει τα δεδομένα στον </a:t>
-            </a:r>
-            <a:r>
-              <a:rPr lang="en-US" sz="1400" dirty="0" smtClean="0"/>
-              <a:t>host</a:t>
-            </a:r>
-            <a:endParaRPr lang="en-US" sz="1400" dirty="0"/>
-          </a:p>
-        </p:txBody>
-      </p:sp>
-      <p:sp>
-        <p:nvSpPr>
-          <p:cNvPr id="8" name="TextBox 7"/>
-          <p:cNvSpPr txBox="1"/>
-          <p:nvPr/>
-        </p:nvSpPr>
-        <p:spPr>
-          <a:xfrm>
-            <a:off x="4495800" y="3276600"/>
-            <a:ext cx="3810000" cy="646331"/>
-          </a:xfrm>
-          <a:prstGeom prst="rect">
-            <a:avLst/>
-          </a:prstGeom>
-          <a:noFill/>
-        </p:spPr>
-        <p:txBody>
-          <a:bodyPr wrap="square" rtlCol="0">
-            <a:spAutoFit/>
-          </a:bodyPr>
-          <a:lstStyle/>
-          <a:p>
-            <a:r>
-              <a:rPr lang="en-US" dirty="0" smtClean="0"/>
-              <a:t>O host </a:t>
-            </a:r>
-            <a:r>
-              <a:rPr lang="el-GR" dirty="0" smtClean="0"/>
-              <a:t>παραμένει το ίδιο </a:t>
-            </a:r>
-            <a:r>
-              <a:rPr lang="en-US" dirty="0" err="1" smtClean="0"/>
-              <a:t>linux</a:t>
-            </a:r>
-            <a:r>
-              <a:rPr lang="en-US" dirty="0" smtClean="0"/>
-              <a:t> </a:t>
-            </a:r>
-            <a:r>
-              <a:rPr lang="el-GR" dirty="0" smtClean="0"/>
-              <a:t>μηχάνημα</a:t>
-            </a:r>
-            <a:endParaRPr lang="en-US" dirty="0"/>
-          </a:p>
-        </p:txBody>
-      </p:sp>
-      <p:sp>
-        <p:nvSpPr>
-          <p:cNvPr id="10" name="TextBox 9"/>
-          <p:cNvSpPr txBox="1"/>
-          <p:nvPr/>
-        </p:nvSpPr>
-        <p:spPr>
-          <a:xfrm>
-            <a:off x="4648200" y="4724400"/>
-            <a:ext cx="4191000" cy="1477328"/>
-          </a:xfrm>
-          <a:prstGeom prst="rect">
-            <a:avLst/>
-          </a:prstGeom>
-          <a:noFill/>
-        </p:spPr>
-        <p:txBody>
-          <a:bodyPr wrap="square" rtlCol="0">
-            <a:spAutoFit/>
-          </a:bodyPr>
-          <a:lstStyle/>
-          <a:p>
-            <a:r>
-              <a:rPr lang="el-GR" dirty="0" smtClean="0"/>
-              <a:t>Χρειαζόμαστε:</a:t>
-            </a:r>
-          </a:p>
-          <a:p>
-            <a:pPr marL="342900" indent="-342900">
-              <a:buFont typeface="+mj-lt"/>
-              <a:buAutoNum type="arabicPeriod"/>
-            </a:pPr>
-            <a:r>
-              <a:rPr lang="el-GR" dirty="0" smtClean="0"/>
-              <a:t>Έναν </a:t>
-            </a:r>
-            <a:r>
-              <a:rPr lang="en-US" dirty="0" smtClean="0"/>
-              <a:t>driver</a:t>
-            </a:r>
-            <a:r>
-              <a:rPr lang="el-GR" dirty="0" smtClean="0"/>
-              <a:t> για να «μιλάμε» με το </a:t>
-            </a:r>
-            <a:r>
-              <a:rPr lang="en-US" dirty="0" smtClean="0"/>
-              <a:t>backend</a:t>
-            </a:r>
-            <a:endParaRPr lang="el-GR" dirty="0" smtClean="0"/>
-          </a:p>
-          <a:p>
-            <a:pPr marL="342900" indent="-342900">
-              <a:buFont typeface="+mj-lt"/>
-              <a:buAutoNum type="arabicPeriod"/>
-            </a:pPr>
-            <a:r>
-              <a:rPr lang="el-GR" dirty="0" smtClean="0"/>
-              <a:t>Μια διεπαφή για να χρησιμοποιούν οι εφαρμογές τον </a:t>
-            </a:r>
-            <a:r>
-              <a:rPr lang="en-US" dirty="0" smtClean="0"/>
-              <a:t>driver</a:t>
-            </a:r>
-          </a:p>
-        </p:txBody>
-      </p:sp>
       <p:pic>
         <p:nvPicPr>
           <p:cNvPr id="1026" name="Picture 2"/>
@@ -11723,6 +11681,223 @@
           <a:effectLst/>
         </p:spPr>
       </p:pic>
+      <p:sp>
+        <p:nvSpPr>
+          <p:cNvPr id="3" name="Title 2"/>
+          <p:cNvSpPr>
+            <a:spLocks noGrp="1"/>
+          </p:cNvSpPr>
+          <p:nvPr>
+            <p:ph type="title"/>
+          </p:nvPr>
+        </p:nvSpPr>
+        <p:spPr/>
+        <p:txBody>
+          <a:bodyPr/>
+          <a:lstStyle/>
+          <a:p>
+            <a:r>
+              <a:rPr lang="el-GR" dirty="0" smtClean="0"/>
+              <a:t>Δομή </a:t>
+            </a:r>
+            <a:r>
+              <a:rPr lang="en-US" dirty="0" smtClean="0"/>
+              <a:t>utmem</a:t>
+            </a:r>
+            <a:endParaRPr lang="en-US" dirty="0"/>
+          </a:p>
+        </p:txBody>
+      </p:sp>
+      <p:sp>
+        <p:nvSpPr>
+          <p:cNvPr id="7" name="TextBox 6"/>
+          <p:cNvSpPr txBox="1"/>
+          <p:nvPr/>
+        </p:nvSpPr>
+        <p:spPr>
+          <a:xfrm>
+            <a:off x="4343400" y="1066800"/>
+            <a:ext cx="4495800" cy="1354217"/>
+          </a:xfrm>
+          <a:prstGeom prst="rect">
+            <a:avLst/>
+          </a:prstGeom>
+          <a:noFill/>
+        </p:spPr>
+        <p:txBody>
+          <a:bodyPr wrap="square" rtlCol="0">
+            <a:spAutoFit/>
+          </a:bodyPr>
+          <a:lstStyle/>
+          <a:p>
+            <a:pPr>
+              <a:buFont typeface="Arial" pitchFamily="34" charset="0"/>
+              <a:buChar char="•"/>
+            </a:pPr>
+            <a:r>
+              <a:rPr lang="el-GR" dirty="0" smtClean="0"/>
+              <a:t>Εικονική συσκευή (</a:t>
+            </a:r>
+            <a:r>
+              <a:rPr lang="en-US" dirty="0" smtClean="0"/>
+              <a:t>virtual device) </a:t>
+            </a:r>
+            <a:r>
+              <a:rPr lang="el-GR" sz="1400" dirty="0" smtClean="0"/>
+              <a:t>την οποία χρησιμοποιούν τα προγράματα</a:t>
+            </a:r>
+          </a:p>
+          <a:p>
+            <a:pPr>
+              <a:buFont typeface="Arial" pitchFamily="34" charset="0"/>
+              <a:buChar char="•"/>
+            </a:pPr>
+            <a:r>
+              <a:rPr lang="el-GR" dirty="0" smtClean="0"/>
+              <a:t>Εσωτερικός </a:t>
+            </a:r>
+            <a:r>
+              <a:rPr lang="en-US" dirty="0" smtClean="0"/>
+              <a:t>driver </a:t>
+            </a:r>
+            <a:r>
+              <a:rPr lang="el-GR" sz="1400" dirty="0" smtClean="0"/>
+              <a:t>που επικοινωνέι με το </a:t>
+            </a:r>
+            <a:r>
+              <a:rPr lang="en-US" sz="1400" dirty="0" smtClean="0"/>
+              <a:t>KVM</a:t>
+            </a:r>
+          </a:p>
+          <a:p>
+            <a:pPr>
+              <a:buFont typeface="Arial" pitchFamily="34" charset="0"/>
+              <a:buChar char="•"/>
+            </a:pPr>
+            <a:r>
+              <a:rPr lang="en-US" dirty="0" smtClean="0"/>
+              <a:t>Utmem backend </a:t>
+            </a:r>
+            <a:r>
+              <a:rPr lang="el-GR" sz="1400" dirty="0" smtClean="0"/>
+              <a:t>αποθηκεύει τα δεδομένα στον </a:t>
+            </a:r>
+            <a:r>
+              <a:rPr lang="en-US" sz="1400" dirty="0" smtClean="0"/>
+              <a:t>host</a:t>
+            </a:r>
+            <a:endParaRPr lang="en-US" sz="1400" dirty="0"/>
+          </a:p>
+        </p:txBody>
+      </p:sp>
+      <p:sp>
+        <p:nvSpPr>
+          <p:cNvPr id="8" name="TextBox 7"/>
+          <p:cNvSpPr txBox="1"/>
+          <p:nvPr/>
+        </p:nvSpPr>
+        <p:spPr>
+          <a:xfrm>
+            <a:off x="4495800" y="3276600"/>
+            <a:ext cx="4114800" cy="369332"/>
+          </a:xfrm>
+          <a:prstGeom prst="rect">
+            <a:avLst/>
+          </a:prstGeom>
+          <a:noFill/>
+        </p:spPr>
+        <p:txBody>
+          <a:bodyPr wrap="square" rtlCol="0">
+            <a:spAutoFit/>
+          </a:bodyPr>
+          <a:lstStyle/>
+          <a:p>
+            <a:r>
+              <a:rPr lang="en-US" dirty="0" smtClean="0"/>
+              <a:t>O host </a:t>
+            </a:r>
+            <a:r>
+              <a:rPr lang="el-GR" dirty="0" smtClean="0"/>
+              <a:t>παραμένει ένα </a:t>
+            </a:r>
+            <a:r>
+              <a:rPr lang="en-US" dirty="0" smtClean="0"/>
+              <a:t>Linux </a:t>
+            </a:r>
+            <a:r>
+              <a:rPr lang="el-GR" dirty="0" smtClean="0"/>
+              <a:t>μηχάνημα</a:t>
+            </a:r>
+            <a:endParaRPr lang="en-US" dirty="0"/>
+          </a:p>
+        </p:txBody>
+      </p:sp>
+      <p:sp>
+        <p:nvSpPr>
+          <p:cNvPr id="10" name="TextBox 9"/>
+          <p:cNvSpPr txBox="1"/>
+          <p:nvPr/>
+        </p:nvSpPr>
+        <p:spPr>
+          <a:xfrm>
+            <a:off x="3962400" y="4724400"/>
+            <a:ext cx="4876800" cy="1200329"/>
+          </a:xfrm>
+          <a:prstGeom prst="rect">
+            <a:avLst/>
+          </a:prstGeom>
+          <a:noFill/>
+        </p:spPr>
+        <p:txBody>
+          <a:bodyPr wrap="square" rtlCol="0">
+            <a:spAutoFit/>
+          </a:bodyPr>
+          <a:lstStyle/>
+          <a:p>
+            <a:r>
+              <a:rPr lang="el-GR" dirty="0" smtClean="0"/>
+              <a:t>Χρειαζόμαστε:</a:t>
+            </a:r>
+          </a:p>
+          <a:p>
+            <a:pPr marL="342900" indent="-342900">
+              <a:buFont typeface="+mj-lt"/>
+              <a:buAutoNum type="arabicPeriod"/>
+            </a:pPr>
+            <a:r>
+              <a:rPr lang="el-GR" dirty="0" smtClean="0"/>
+              <a:t>Έναν </a:t>
+            </a:r>
+            <a:r>
+              <a:rPr lang="en-US" dirty="0" smtClean="0"/>
+              <a:t>driver</a:t>
+            </a:r>
+            <a:r>
+              <a:rPr lang="el-GR" dirty="0" smtClean="0"/>
+              <a:t> για να «μιλάμε» με το </a:t>
+            </a:r>
+            <a:r>
+              <a:rPr lang="en-US" dirty="0" smtClean="0"/>
+              <a:t>backend</a:t>
+            </a:r>
+            <a:endParaRPr lang="el-GR" dirty="0" smtClean="0"/>
+          </a:p>
+          <a:p>
+            <a:pPr marL="342900" indent="-342900">
+              <a:buFont typeface="+mj-lt"/>
+              <a:buAutoNum type="arabicPeriod"/>
+            </a:pPr>
+            <a:r>
+              <a:rPr lang="el-GR" dirty="0" smtClean="0"/>
+              <a:t>Μια διεπαφή για να χρησιμοποιούν οι εφαρμογές τον </a:t>
+            </a:r>
+            <a:r>
+              <a:rPr lang="en-US" dirty="0" smtClean="0"/>
+              <a:t>driver</a:t>
+            </a:r>
+          </a:p>
+        </p:txBody>
+      </p:sp>
       <p:sp>
         <p:nvSpPr>
           <p:cNvPr id="12" name="Right Arrow 11"/>
@@ -12306,19 +12481,11 @@
           <a:p>
             <a:r>
               <a:rPr lang="el-GR" dirty="0" smtClean="0"/>
-              <a:t>Αρχική </a:t>
-            </a:r>
-            <a:r>
-              <a:rPr lang="el-GR" dirty="0" smtClean="0"/>
-              <a:t>προσέγγιση</a:t>
+              <a:t>Αρχική προσέγγιση</a:t>
             </a:r>
             <a:r>
               <a:rPr lang="en-US" dirty="0" smtClean="0"/>
-              <a:t>-System </a:t>
-            </a:r>
-            <a:r>
-              <a:rPr lang="en-US" dirty="0" smtClean="0"/>
-              <a:t>Call</a:t>
+              <a:t>-System Call</a:t>
             </a:r>
             <a:endParaRPr lang="en-US" dirty="0"/>
           </a:p>
@@ -12333,7 +12500,7 @@
         <p:spPr>
           <a:xfrm>
             <a:off x="762000" y="1524000"/>
-            <a:ext cx="6477000" cy="369332"/>
+            <a:ext cx="6858000" cy="369332"/>
           </a:xfrm>
           <a:prstGeom prst="rect">
             <a:avLst/>
@@ -12348,31 +12515,19 @@
           <a:p>
             <a:r>
               <a:rPr lang="el-GR" dirty="0" smtClean="0"/>
-              <a:t>Αυθεντική </a:t>
-            </a:r>
-            <a:r>
-              <a:rPr lang="el-GR" dirty="0" smtClean="0"/>
-              <a:t>ή </a:t>
-            </a:r>
-            <a:r>
-              <a:rPr lang="en-US" dirty="0" err="1" smtClean="0"/>
-              <a:t>linux</a:t>
+              <a:t>Αυθεντική ή </a:t>
             </a:r>
             <a:r>
               <a:rPr lang="en-US" dirty="0" smtClean="0"/>
-              <a:t> </a:t>
+              <a:t>Linux utmem    </a:t>
+            </a:r>
+            <a:r>
+              <a:rPr lang="el-GR" dirty="0" smtClean="0"/>
+              <a:t>και</a:t>
             </a:r>
             <a:r>
               <a:rPr lang="en-US" dirty="0" smtClean="0"/>
-              <a:t>utmem    </a:t>
-            </a:r>
-            <a:r>
-              <a:rPr lang="el-GR" dirty="0" smtClean="0"/>
-              <a:t>και</a:t>
-            </a:r>
-            <a:r>
-              <a:rPr lang="en-US" dirty="0" smtClean="0"/>
-              <a:t>    Unikernel </a:t>
+              <a:t>    unikernel </a:t>
             </a:r>
             <a:r>
               <a:rPr lang="el-GR" dirty="0" smtClean="0"/>
@@ -12981,16 +13136,16 @@
           <a:lstStyle/>
           <a:p>
             <a:r>
-              <a:rPr lang="en-US" dirty="0" smtClean="0"/>
+              <a:rPr lang="en-US" dirty="0" smtClean="0">
+                <a:solidFill>
+                  <a:srgbClr val="FF0000"/>
+                </a:solidFill>
+              </a:rPr>
               <a:t>--</a:t>
             </a:r>
             <a:r>
               <a:rPr lang="el-GR" dirty="0" smtClean="0"/>
-              <a:t>Δεν </a:t>
-            </a:r>
-            <a:r>
-              <a:rPr lang="el-GR" dirty="0" smtClean="0"/>
-              <a:t>υπάρχει μηχανισμός του </a:t>
+              <a:t>Δεν υπάρχει μηχανισμός του </a:t>
             </a:r>
             <a:r>
               <a:rPr lang="en-US" dirty="0" smtClean="0"/>
@@ -13006,7 +13161,7 @@
             </a:r>
             <a:r>
               <a:rPr lang="el-GR" dirty="0" smtClean="0"/>
-              <a:t>επάνω στο </a:t>
+              <a:t>προς το </a:t>
             </a:r>
             <a:r>
               <a:rPr lang="en-US" dirty="0" smtClean="0"/>
@@ -13043,16 +13198,20 @@
           <a:lstStyle/>
           <a:p>
             <a:r>
+              <a:rPr lang="en-US" dirty="0" smtClean="0">
+                <a:solidFill>
+                  <a:srgbClr val="92D050"/>
+                </a:solidFill>
+              </a:rPr>
+              <a:t>++</a:t>
+            </a:r>
+            <a:r>
               <a:rPr lang="en-US" dirty="0" smtClean="0"/>
-              <a:t>++A</a:t>
-            </a:r>
-            <a:r>
-              <a:rPr lang="el-GR" dirty="0" smtClean="0"/>
-              <a:t>πό </a:t>
-            </a:r>
-            <a:r>
-              <a:rPr lang="el-GR" dirty="0" smtClean="0"/>
-              <a:t>τον </a:t>
+              <a:t>A</a:t>
+            </a:r>
+            <a:r>
+              <a:rPr lang="el-GR" dirty="0" smtClean="0"/>
+              <a:t>πό τον </a:t>
             </a:r>
             <a:r>
               <a:rPr lang="en-US" dirty="0" smtClean="0"/>
@@ -13063,16 +13222,12 @@
               <a:t> του </a:t>
             </a:r>
             <a:r>
-              <a:rPr lang="en-US" dirty="0" err="1" smtClean="0"/>
-              <a:t>linux</a:t>
-            </a:r>
-            <a:r>
-              <a:rPr lang="el-GR" dirty="0" smtClean="0"/>
-              <a:t> εξάγουμε μόνο ό,τι χρειάζεται για να εκτελεστεί </a:t>
-            </a:r>
-            <a:r>
-              <a:rPr lang="el-GR" dirty="0" smtClean="0"/>
-              <a:t>το </a:t>
+              <a:rPr lang="en-US" dirty="0" smtClean="0"/>
+              <a:t>Linux</a:t>
+            </a:r>
+            <a:r>
+              <a:rPr lang="el-GR" dirty="0" smtClean="0"/>
+              <a:t> εξάγουμε μόνο ό,τι χρειάζεται για να εκτελεστεί το </a:t>
             </a:r>
             <a:r>
               <a:rPr lang="en-US" dirty="0" smtClean="0"/>
@@ -13171,7 +13326,11 @@
           <a:lstStyle/>
           <a:p>
             <a:r>
-              <a:rPr lang="en-US" dirty="0" smtClean="0"/>
+              <a:rPr lang="en-US" dirty="0" smtClean="0">
+                <a:solidFill>
+                  <a:srgbClr val="FF0000"/>
+                </a:solidFill>
+              </a:rPr>
               <a:t>--</a:t>
             </a:r>
             <a:r>
@@ -13225,12 +13384,16 @@
           <a:lstStyle/>
           <a:p>
             <a:r>
-              <a:rPr lang="en-US" dirty="0" smtClean="0"/>
+              <a:rPr lang="en-US" dirty="0" smtClean="0">
+                <a:solidFill>
+                  <a:srgbClr val="92D050"/>
+                </a:solidFill>
+              </a:rPr>
               <a:t>++</a:t>
             </a:r>
             <a:r>
               <a:rPr lang="el-GR" dirty="0" smtClean="0"/>
-              <a:t>Μετά από έρευνα βρήκαμε την συνάρτηση </a:t>
+              <a:t>Μετά από έρευνα καταλήξαμε στην συνάρτηση </a:t>
             </a:r>
             <a:r>
               <a:rPr lang="en-US" dirty="0" err="1" smtClean="0"/>
@@ -13642,19 +13805,11 @@
           <a:p>
             <a:r>
               <a:rPr lang="el-GR" dirty="0" smtClean="0"/>
-              <a:t>Δεύτερη </a:t>
-            </a:r>
-            <a:r>
-              <a:rPr lang="el-GR" dirty="0" smtClean="0"/>
-              <a:t>προσέγγιση</a:t>
+              <a:t>Δεύτερη προσέγγιση</a:t>
             </a:r>
             <a:r>
               <a:rPr lang="en-US" dirty="0" smtClean="0"/>
-              <a:t>-Function </a:t>
-            </a:r>
-            <a:r>
-              <a:rPr lang="en-US" dirty="0" smtClean="0"/>
-              <a:t>Call</a:t>
+              <a:t>-Function Call</a:t>
             </a:r>
             <a:endParaRPr lang="en-US" dirty="0"/>
           </a:p>
@@ -13756,11 +13911,7 @@
             </a:r>
             <a:r>
               <a:rPr lang="en-US" dirty="0" smtClean="0"/>
-              <a:t>function </a:t>
-            </a:r>
-            <a:r>
-              <a:rPr lang="en-US" dirty="0" smtClean="0"/>
-              <a:t>call!</a:t>
+              <a:t>function call!</a:t>
             </a:r>
             <a:endParaRPr lang="en-US" dirty="0"/>
           </a:p>
@@ -13790,19 +13941,7 @@
           <a:p>
             <a:r>
               <a:rPr lang="el-GR" dirty="0" smtClean="0"/>
-              <a:t>Δήμιουργούμε </a:t>
-            </a:r>
-            <a:r>
-              <a:rPr lang="el-GR" dirty="0" smtClean="0"/>
-              <a:t>μια </a:t>
-            </a:r>
-            <a:r>
-              <a:rPr lang="el-GR" dirty="0" smtClean="0"/>
-              <a:t>νέα βιβλιοθήκη </a:t>
-            </a:r>
-            <a:r>
-              <a:rPr lang="el-GR" dirty="0" smtClean="0"/>
-              <a:t>«</a:t>
+              <a:t>Δήμιουργούμε μια νέα βιβλιοθήκη «</a:t>
             </a:r>
             <a:r>
               <a:rPr lang="en-US" dirty="0" smtClean="0"/>
@@ -13837,7 +13976,7 @@
         <p:spPr>
           <a:xfrm>
             <a:off x="685800" y="4267200"/>
-            <a:ext cx="3124200" cy="369332"/>
+            <a:ext cx="3429000" cy="369332"/>
           </a:xfrm>
           <a:prstGeom prst="rect">
             <a:avLst/>
@@ -13855,14 +13994,14 @@
                 <a:latin typeface="Courier New" pitchFamily="49" charset="0"/>
                 <a:cs typeface="Courier New" pitchFamily="49" charset="0"/>
               </a:rPr>
-              <a:t>#</a:t>
-            </a:r>
-            <a:r>
-              <a:rPr lang="en-US" dirty="0" err="1" smtClean="0">
+              <a:t>#include</a:t>
+            </a:r>
+            <a:r>
+              <a:rPr lang="el-GR" dirty="0" smtClean="0">
                 <a:latin typeface="Courier New" pitchFamily="49" charset="0"/>
                 <a:cs typeface="Courier New" pitchFamily="49" charset="0"/>
               </a:rPr>
-              <a:t>include”utmem_ops.h</a:t>
+              <a:t> </a:t>
             </a:r>
             <a:r>
               <a:rPr lang="en-US" dirty="0" smtClean="0">
@@ -13871,6 +14010,20 @@
               </a:rPr>
               <a:t>”</a:t>
             </a:r>
+            <a:r>
+              <a:rPr lang="en-US" dirty="0" err="1" smtClean="0">
+                <a:latin typeface="Courier New" pitchFamily="49" charset="0"/>
+                <a:cs typeface="Courier New" pitchFamily="49" charset="0"/>
+              </a:rPr>
+              <a:t>utmem_ops.h</a:t>
+            </a:r>
+            <a:r>
+              <a:rPr lang="en-US" dirty="0" smtClean="0">
+                <a:latin typeface="Courier New" pitchFamily="49" charset="0"/>
+                <a:cs typeface="Courier New" pitchFamily="49" charset="0"/>
+              </a:rPr>
+              <a:t>”</a:t>
+            </a:r>
             <a:endParaRPr lang="en-US" dirty="0">
               <a:latin typeface="Courier New" pitchFamily="49" charset="0"/>
               <a:cs typeface="Courier New" pitchFamily="49" charset="0"/>
@@ -13886,8 +14039,8 @@
         </p:nvSpPr>
         <p:spPr>
           <a:xfrm>
-            <a:off x="3886200" y="5410200"/>
-            <a:ext cx="4343400" cy="923330"/>
+            <a:off x="1752600" y="5029200"/>
+            <a:ext cx="6705600" cy="646331"/>
           </a:xfrm>
           <a:prstGeom prst="rect">
             <a:avLst/>
@@ -13902,15 +14055,7 @@
           <a:p>
             <a:r>
               <a:rPr lang="el-GR" dirty="0" smtClean="0"/>
-              <a:t>Είναι η τελική μας </a:t>
-            </a:r>
-            <a:r>
-              <a:rPr lang="el-GR" dirty="0" smtClean="0"/>
-              <a:t>προσέγγιση</a:t>
-            </a:r>
-            <a:r>
-              <a:rPr lang="el-GR" dirty="0" smtClean="0"/>
-              <a:t>. </a:t>
+              <a:t>Είναι η τελική μας προσέγγιση. </a:t>
             </a:r>
             <a:endParaRPr lang="en-US" dirty="0" smtClean="0"/>
           </a:p>
@@ -14919,7 +15064,7 @@
         </p:nvSpPr>
         <p:spPr>
           <a:xfrm>
-            <a:off x="533400" y="1828800"/>
+            <a:off x="533400" y="1295400"/>
             <a:ext cx="7620000" cy="369332"/>
           </a:xfrm>
           <a:prstGeom prst="rect">
@@ -14935,11 +15080,7 @@
           <a:p>
             <a:r>
               <a:rPr lang="el-GR" dirty="0" smtClean="0"/>
-              <a:t>Αναλύουμε </a:t>
-            </a:r>
-            <a:r>
-              <a:rPr lang="el-GR" dirty="0" smtClean="0"/>
-              <a:t> χρονικά την </a:t>
+              <a:t>Αναλύουμε  χρονικά την </a:t>
             </a:r>
             <a:r>
               <a:rPr lang="en-US" b="1" dirty="0" smtClean="0"/>
@@ -14977,7 +15118,7 @@
         </p:nvSpPr>
         <p:spPr>
           <a:xfrm>
-            <a:off x="533400" y="4038600"/>
+            <a:off x="685800" y="4343400"/>
             <a:ext cx="7086600" cy="1631216"/>
           </a:xfrm>
           <a:prstGeom prst="rect">
@@ -14993,11 +15134,7 @@
           <a:p>
             <a:r>
               <a:rPr lang="el-GR" dirty="0" smtClean="0"/>
-              <a:t>Διακρίνουμε δύο </a:t>
-            </a:r>
-            <a:r>
-              <a:rPr lang="el-GR" dirty="0" smtClean="0"/>
-              <a:t>χρόνους</a:t>
+              <a:t>Διακρίνουμε δύο χρόνους</a:t>
             </a:r>
             <a:r>
               <a:rPr lang="en-US" dirty="0" smtClean="0"/>
@@ -15007,7 +15144,6 @@
               <a:rPr lang="el-GR" dirty="0" smtClean="0"/>
               <a:t>στάδια ροής:</a:t>
             </a:r>
-            <a:endParaRPr lang="el-GR" dirty="0" smtClean="0"/>
           </a:p>
           <a:p>
             <a:endParaRPr lang="el-GR" dirty="0" smtClean="0"/>
@@ -15019,7 +15155,7 @@
             </a:pPr>
             <a:r>
               <a:rPr lang="en-US" dirty="0" smtClean="0"/>
-              <a:t>Driver (time)</a:t>
+              <a:t>Driver</a:t>
             </a:r>
             <a:r>
               <a:rPr lang="el-GR" dirty="0" smtClean="0"/>
@@ -15035,11 +15171,7 @@
             </a:r>
             <a:r>
               <a:rPr lang="el-GR" sz="1400" dirty="0" smtClean="0"/>
-              <a:t>, </a:t>
-            </a:r>
-            <a:r>
-              <a:rPr lang="el-GR" sz="1400" dirty="0" smtClean="0"/>
-              <a:t>δηλαδή στην νέα </a:t>
+              <a:t>, δηλαδή στην νέα </a:t>
             </a:r>
             <a:r>
               <a:rPr lang="en-US" sz="1400" dirty="0" smtClean="0"/>
@@ -15053,7 +15185,6 @@
               <a:rPr lang="en-US" sz="1400" dirty="0" smtClean="0"/>
               <a:t>guest</a:t>
             </a:r>
-            <a:endParaRPr lang="en-US" sz="1400" dirty="0" smtClean="0"/>
           </a:p>
           <a:p>
             <a:pPr>
@@ -15062,7 +15193,11 @@
             </a:pPr>
             <a:r>
               <a:rPr lang="en-US" dirty="0" smtClean="0"/>
-              <a:t>Hypercall (time), </a:t>
+              <a:t>Hypercall </a:t>
+            </a:r>
+            <a:r>
+              <a:rPr lang="el-GR" dirty="0" smtClean="0"/>
+              <a:t>,</a:t>
             </a:r>
             <a:r>
               <a:rPr lang="el-GR" sz="1400" dirty="0" smtClean="0"/>
@@ -15096,8 +15231,8 @@
         </p:nvSpPr>
         <p:spPr>
           <a:xfrm>
-            <a:off x="533400" y="2514600"/>
-            <a:ext cx="4191000" cy="1200329"/>
+            <a:off x="533400" y="1905000"/>
+            <a:ext cx="5029200" cy="1200329"/>
           </a:xfrm>
           <a:prstGeom prst="rect">
             <a:avLst/>
@@ -15115,11 +15250,11 @@
               <a:t>Φτιάχνουμε ένα </a:t>
             </a:r>
             <a:r>
-              <a:rPr lang="el-GR" dirty="0" smtClean="0"/>
+              <a:rPr lang="el-GR" b="1" dirty="0" smtClean="0"/>
               <a:t>βοηθητικό </a:t>
             </a:r>
             <a:r>
-              <a:rPr lang="en-US" dirty="0" smtClean="0"/>
+              <a:rPr lang="en-US" b="1" dirty="0" smtClean="0"/>
               <a:t>unikernel </a:t>
             </a:r>
             <a:r>
@@ -15135,15 +15270,19 @@
             </a:pPr>
             <a:r>
               <a:rPr lang="el-GR" dirty="0" smtClean="0"/>
-              <a:t>Αποστέλει </a:t>
-            </a:r>
-            <a:r>
-              <a:rPr lang="el-GR" dirty="0" smtClean="0"/>
-              <a:t>συνεχώς το ίδιο </a:t>
+              <a:t>Αποστέλει συνεχώς το ίδιο </a:t>
             </a:r>
             <a:r>
               <a:rPr lang="en-US" dirty="0" smtClean="0"/>
-              <a:t>request</a:t>
+              <a:t>request </a:t>
+            </a:r>
+            <a:r>
+              <a:rPr lang="el-GR" dirty="0" smtClean="0"/>
+              <a:t>προς τον </a:t>
+            </a:r>
+            <a:r>
+              <a:rPr lang="en-US" dirty="0" smtClean="0"/>
+              <a:t>host</a:t>
             </a:r>
           </a:p>
           <a:p>
@@ -15177,7 +15316,7 @@
         </p:nvSpPr>
         <p:spPr>
           <a:xfrm>
-            <a:off x="5105400" y="2819400"/>
+            <a:off x="609600" y="3276600"/>
             <a:ext cx="3276600" cy="646331"/>
           </a:xfrm>
           <a:prstGeom prst="rect">
@@ -15507,7 +15646,7 @@
         </p:nvSpPr>
         <p:spPr>
           <a:xfrm>
-            <a:off x="2286000" y="5410200"/>
+            <a:off x="152400" y="5181600"/>
             <a:ext cx="5029200" cy="646331"/>
           </a:xfrm>
           <a:prstGeom prst="rect">
@@ -15577,15 +15716,7 @@
             </a:r>
             <a:r>
               <a:rPr lang="en-US" sz="1600" dirty="0" smtClean="0"/>
-              <a:t> </a:t>
-            </a:r>
-            <a:r>
-              <a:rPr lang="en-US" sz="1600" b="1" dirty="0" smtClean="0"/>
-              <a:t>4.3.39</a:t>
-            </a:r>
-            <a:r>
-              <a:rPr lang="en-US" sz="1600" dirty="0" smtClean="0"/>
-              <a:t> </a:t>
+              <a:t> 4.3.39 </a:t>
             </a:r>
             <a:r>
               <a:rPr lang="el-GR" sz="1600" dirty="0" smtClean="0"/>
@@ -15611,19 +15742,11 @@
             </a:r>
             <a:r>
               <a:rPr lang="el-GR" sz="1600" dirty="0" smtClean="0"/>
-              <a:t>και </a:t>
-            </a:r>
-            <a:r>
-              <a:rPr lang="el-GR" sz="1600" dirty="0" smtClean="0"/>
-              <a:t>4</a:t>
+              <a:t>και 4</a:t>
             </a:r>
             <a:r>
               <a:rPr lang="en-US" sz="1600" dirty="0" smtClean="0"/>
-              <a:t>GB </a:t>
-            </a:r>
-            <a:r>
-              <a:rPr lang="en-US" sz="1600" dirty="0" smtClean="0"/>
-              <a:t>R</a:t>
+              <a:t>GB R</a:t>
             </a:r>
             <a:r>
               <a:rPr lang="el-GR" sz="1600" dirty="0" smtClean="0"/>
@@ -15633,6 +15756,9 @@
               <a:rPr lang="en-US" sz="1600" dirty="0" smtClean="0"/>
               <a:t>. </a:t>
             </a:r>
+            <a:endParaRPr lang="el-GR" sz="1600" dirty="0" smtClean="0"/>
+          </a:p>
+          <a:p>
             <a:r>
               <a:rPr lang="el-GR" sz="1600" dirty="0" smtClean="0"/>
               <a:t>Ο </a:t>
@@ -15894,7 +16020,7 @@
         </p:nvSpPr>
         <p:spPr>
           <a:xfrm>
-            <a:off x="3048000" y="2743200"/>
+            <a:off x="304800" y="4419600"/>
             <a:ext cx="2743200" cy="369332"/>
           </a:xfrm>
           <a:prstGeom prst="rect">
@@ -15927,7 +16053,7 @@
           <p:nvPr/>
         </p:nvGraphicFramePr>
         <p:xfrm>
-          <a:off x="5943600" y="2514600"/>
+          <a:off x="5486400" y="2590800"/>
           <a:ext cx="2771775" cy="2743200"/>
         </p:xfrm>
         <a:graphic>
@@ -16475,7 +16601,7 @@
         </p:blipFill>
         <p:spPr bwMode="auto">
           <a:xfrm>
-            <a:off x="0" y="3810000"/>
+            <a:off x="152400" y="3810000"/>
             <a:ext cx="4280747" cy="2743200"/>
           </a:xfrm>
           <a:prstGeom prst="rect">
@@ -16499,8 +16625,8 @@
         </p:nvSpPr>
         <p:spPr>
           <a:xfrm>
-            <a:off x="4343400" y="3886200"/>
-            <a:ext cx="3352800" cy="1200329"/>
+            <a:off x="4419600" y="3886200"/>
+            <a:ext cx="4495800" cy="923330"/>
           </a:xfrm>
           <a:prstGeom prst="rect">
             <a:avLst/>
@@ -16514,8 +16640,12 @@
           <a:lstStyle/>
           <a:p>
             <a:r>
+              <a:rPr lang="en-US" b="1" dirty="0" smtClean="0"/>
+              <a:t>set</a:t>
+            </a:r>
+            <a:r>
               <a:rPr lang="en-US" dirty="0" smtClean="0"/>
-              <a:t>set : </a:t>
+              <a:t> : </a:t>
             </a:r>
             <a:r>
               <a:rPr lang="el-GR" dirty="0" smtClean="0"/>
@@ -16532,8 +16662,12 @@
           </a:p>
           <a:p>
             <a:r>
+              <a:rPr lang="en-US" b="1" dirty="0" smtClean="0"/>
+              <a:t>get</a:t>
+            </a:r>
+            <a:r>
               <a:rPr lang="en-US" dirty="0" smtClean="0"/>
-              <a:t>get: </a:t>
+              <a:t>: </a:t>
             </a:r>
             <a:r>
               <a:rPr lang="el-GR" dirty="0" smtClean="0"/>
@@ -16583,7 +16717,15 @@
             </a:r>
             <a:r>
               <a:rPr lang="en-US" dirty="0" smtClean="0"/>
-              <a:t> in-memory </a:t>
+              <a:t> </a:t>
+            </a:r>
+            <a:r>
+              <a:rPr lang="el-GR" dirty="0" smtClean="0"/>
+              <a:t> </a:t>
+            </a:r>
+            <a:r>
+              <a:rPr lang="en-US" dirty="0" smtClean="0"/>
+              <a:t>in-memory </a:t>
             </a:r>
             <a:r>
               <a:rPr lang="el-GR" dirty="0" smtClean="0"/>
@@ -16602,7 +16744,7 @@
           <p:nvPr/>
         </p:nvGraphicFramePr>
         <p:xfrm>
-          <a:off x="4343400" y="5410200"/>
+          <a:off x="5257800" y="5181600"/>
           <a:ext cx="2286000" cy="1112520"/>
         </p:xfrm>
         <a:graphic>
@@ -17087,172 +17229,6 @@
           <a:chExt cx="0" cy="0"/>
         </a:xfrm>
       </p:grpSpPr>
-      <p:sp>
-        <p:nvSpPr>
-          <p:cNvPr id="3" name="Title 2"/>
-          <p:cNvSpPr>
-            <a:spLocks noGrp="1"/>
-          </p:cNvSpPr>
-          <p:nvPr>
-            <p:ph type="title"/>
-          </p:nvPr>
-        </p:nvSpPr>
-        <p:spPr/>
-        <p:txBody>
-          <a:bodyPr/>
-          <a:lstStyle/>
-          <a:p>
-            <a:r>
-              <a:rPr lang="el-GR" dirty="0" smtClean="0"/>
-              <a:t>Αξία του μηχανισμού</a:t>
-            </a:r>
-            <a:endParaRPr lang="en-US" dirty="0"/>
-          </a:p>
-        </p:txBody>
-      </p:sp>
-      <p:sp>
-        <p:nvSpPr>
-          <p:cNvPr id="4" name="TextBox 3"/>
-          <p:cNvSpPr txBox="1"/>
-          <p:nvPr/>
-        </p:nvSpPr>
-        <p:spPr>
-          <a:xfrm>
-            <a:off x="381000" y="1447800"/>
-            <a:ext cx="6629400" cy="646331"/>
-          </a:xfrm>
-          <a:prstGeom prst="rect">
-            <a:avLst/>
-          </a:prstGeom>
-          <a:noFill/>
-        </p:spPr>
-        <p:txBody>
-          <a:bodyPr wrap="square" rtlCol="0">
-            <a:spAutoFit/>
-          </a:bodyPr>
-          <a:lstStyle/>
-          <a:p>
-            <a:r>
-              <a:rPr lang="el-GR" dirty="0" smtClean="0"/>
-              <a:t>Προσθέτουμε </a:t>
-            </a:r>
-            <a:r>
-              <a:rPr lang="el-GR" dirty="0" smtClean="0"/>
-              <a:t>στο </a:t>
-            </a:r>
-            <a:r>
-              <a:rPr lang="en-US" dirty="0" err="1" smtClean="0"/>
-              <a:t>redis</a:t>
-            </a:r>
-            <a:r>
-              <a:rPr lang="el-GR" dirty="0" smtClean="0"/>
-              <a:t> </a:t>
-            </a:r>
-            <a:r>
-              <a:rPr lang="el-GR" dirty="0" smtClean="0"/>
-              <a:t>νέες εντολές που χρησιμοποιούν την </a:t>
-            </a:r>
-            <a:r>
-              <a:rPr lang="en-US" dirty="0" smtClean="0"/>
-              <a:t>utmem</a:t>
-            </a:r>
-            <a:endParaRPr lang="en-US" dirty="0" smtClean="0"/>
-          </a:p>
-          <a:p>
-            <a:r>
-              <a:rPr lang="en-US" dirty="0" err="1" smtClean="0"/>
-              <a:t>tmemPut</a:t>
-            </a:r>
-            <a:r>
-              <a:rPr lang="el-GR" dirty="0" smtClean="0"/>
-              <a:t> </a:t>
-            </a:r>
-            <a:r>
-              <a:rPr lang="el-GR" dirty="0" smtClean="0"/>
-              <a:t>-</a:t>
-            </a:r>
-            <a:r>
-              <a:rPr lang="en-US" dirty="0" smtClean="0"/>
-              <a:t> </a:t>
-            </a:r>
-            <a:r>
-              <a:rPr lang="en-US" dirty="0" err="1" smtClean="0"/>
-              <a:t>tmemGet</a:t>
-            </a:r>
-            <a:endParaRPr lang="en-US" dirty="0"/>
-          </a:p>
-        </p:txBody>
-      </p:sp>
-      <p:sp>
-        <p:nvSpPr>
-          <p:cNvPr id="5" name="TextBox 4"/>
-          <p:cNvSpPr txBox="1"/>
-          <p:nvPr/>
-        </p:nvSpPr>
-        <p:spPr>
-          <a:xfrm>
-            <a:off x="457200" y="2362200"/>
-            <a:ext cx="8153400" cy="646331"/>
-          </a:xfrm>
-          <a:prstGeom prst="rect">
-            <a:avLst/>
-          </a:prstGeom>
-          <a:noFill/>
-        </p:spPr>
-        <p:txBody>
-          <a:bodyPr wrap="square" rtlCol="0">
-            <a:spAutoFit/>
-          </a:bodyPr>
-          <a:lstStyle/>
-          <a:p>
-            <a:r>
-              <a:rPr lang="el-GR" dirty="0" smtClean="0"/>
-              <a:t>Εξωτερικό πρόγραμμα </a:t>
-            </a:r>
-            <a:r>
-              <a:rPr lang="en-US" dirty="0" smtClean="0"/>
-              <a:t>client </a:t>
-            </a:r>
-            <a:r>
-              <a:rPr lang="el-GR" dirty="0" smtClean="0"/>
-              <a:t>που αποστέλνει αιτήματα και </a:t>
-            </a:r>
-            <a:r>
-              <a:rPr lang="el-GR" dirty="0" smtClean="0"/>
-              <a:t>συγκρίν</a:t>
-            </a:r>
-            <a:r>
-              <a:rPr lang="el-GR" dirty="0" smtClean="0"/>
-              <a:t>ει</a:t>
-            </a:r>
-            <a:r>
-              <a:rPr lang="el-GR" dirty="0" smtClean="0"/>
-              <a:t> </a:t>
-            </a:r>
-            <a:r>
-              <a:rPr lang="el-GR" dirty="0" smtClean="0"/>
-              <a:t>την </a:t>
-            </a:r>
-            <a:r>
-              <a:rPr lang="en-US" dirty="0" smtClean="0"/>
-              <a:t>set </a:t>
-            </a:r>
-            <a:r>
-              <a:rPr lang="el-GR" dirty="0" smtClean="0"/>
-              <a:t>με την </a:t>
-            </a:r>
-            <a:r>
-              <a:rPr lang="en-US" dirty="0" err="1" smtClean="0"/>
-              <a:t>tmemPut</a:t>
-            </a:r>
-            <a:r>
-              <a:rPr lang="en-US" dirty="0" smtClean="0"/>
-              <a:t>. </a:t>
-            </a:r>
-            <a:endParaRPr lang="el-GR" dirty="0" smtClean="0"/>
-          </a:p>
-        </p:txBody>
-      </p:sp>
       <p:pic>
         <p:nvPicPr>
           <p:cNvPr id="59393" name="Picture 1"/>
@@ -17270,7 +17246,7 @@
         </p:blipFill>
         <p:spPr bwMode="auto">
           <a:xfrm>
-            <a:off x="2662332" y="3886200"/>
+            <a:off x="533400" y="2667000"/>
             <a:ext cx="6481668" cy="2971800"/>
           </a:xfrm>
           <a:prstGeom prst="rect">
@@ -17288,14 +17264,37 @@
       </p:pic>
       <p:sp>
         <p:nvSpPr>
-          <p:cNvPr id="6" name="TextBox 5"/>
+          <p:cNvPr id="3" name="Title 2"/>
+          <p:cNvSpPr>
+            <a:spLocks noGrp="1"/>
+          </p:cNvSpPr>
+          <p:nvPr>
+            <p:ph type="title"/>
+          </p:nvPr>
+        </p:nvSpPr>
+        <p:spPr/>
+        <p:txBody>
+          <a:bodyPr/>
+          <a:lstStyle/>
+          <a:p>
+            <a:r>
+              <a:rPr lang="el-GR" dirty="0" smtClean="0"/>
+              <a:t>Αξία του μηχανισμού</a:t>
+            </a:r>
+            <a:endParaRPr lang="en-US" dirty="0"/>
+          </a:p>
+        </p:txBody>
+      </p:sp>
+      <p:sp>
+        <p:nvSpPr>
+          <p:cNvPr id="4" name="TextBox 3"/>
           <p:cNvSpPr txBox="1"/>
           <p:nvPr/>
         </p:nvSpPr>
         <p:spPr>
           <a:xfrm>
-            <a:off x="228600" y="3200400"/>
-            <a:ext cx="7772400" cy="646331"/>
+            <a:off x="381000" y="1447800"/>
+            <a:ext cx="6629400" cy="646331"/>
           </a:xfrm>
           <a:prstGeom prst="rect">
             <a:avLst/>
@@ -17310,6 +17309,124 @@
           <a:p>
             <a:r>
               <a:rPr lang="el-GR" dirty="0" smtClean="0"/>
+              <a:t>Προσθέτουμε στο </a:t>
+            </a:r>
+            <a:r>
+              <a:rPr lang="en-US" dirty="0" err="1" smtClean="0"/>
+              <a:t>redis</a:t>
+            </a:r>
+            <a:r>
+              <a:rPr lang="el-GR" dirty="0" smtClean="0"/>
+              <a:t> νέες εντολές που χρησιμοποιούν την </a:t>
+            </a:r>
+            <a:r>
+              <a:rPr lang="en-US" dirty="0" smtClean="0"/>
+              <a:t>utmem</a:t>
+            </a:r>
+          </a:p>
+          <a:p>
+            <a:r>
+              <a:rPr lang="en-US" dirty="0" err="1" smtClean="0"/>
+              <a:t>tmemPut</a:t>
+            </a:r>
+            <a:r>
+              <a:rPr lang="el-GR" dirty="0" smtClean="0"/>
+              <a:t> -</a:t>
+            </a:r>
+            <a:r>
+              <a:rPr lang="en-US" dirty="0" smtClean="0"/>
+              <a:t> </a:t>
+            </a:r>
+            <a:r>
+              <a:rPr lang="en-US" dirty="0" err="1" smtClean="0"/>
+              <a:t>tmemGet</a:t>
+            </a:r>
+            <a:endParaRPr lang="en-US" dirty="0"/>
+          </a:p>
+        </p:txBody>
+      </p:sp>
+      <p:sp>
+        <p:nvSpPr>
+          <p:cNvPr id="5" name="TextBox 4"/>
+          <p:cNvSpPr txBox="1"/>
+          <p:nvPr/>
+        </p:nvSpPr>
+        <p:spPr>
+          <a:xfrm>
+            <a:off x="457200" y="2362200"/>
+            <a:ext cx="8153400" cy="646331"/>
+          </a:xfrm>
+          <a:prstGeom prst="rect">
+            <a:avLst/>
+          </a:prstGeom>
+          <a:noFill/>
+        </p:spPr>
+        <p:txBody>
+          <a:bodyPr wrap="square" rtlCol="0">
+            <a:spAutoFit/>
+          </a:bodyPr>
+          <a:lstStyle/>
+          <a:p>
+            <a:r>
+              <a:rPr lang="el-GR" dirty="0" smtClean="0"/>
+              <a:t>Εξωτερικό πρόγραμμα </a:t>
+            </a:r>
+            <a:r>
+              <a:rPr lang="en-US" b="1" dirty="0" smtClean="0"/>
+              <a:t>client</a:t>
+            </a:r>
+            <a:r>
+              <a:rPr lang="en-US" dirty="0" smtClean="0"/>
+              <a:t> </a:t>
+            </a:r>
+            <a:r>
+              <a:rPr lang="el-GR" dirty="0" smtClean="0"/>
+              <a:t>που αποστέλνει αιτήματα και συγκρίνει την </a:t>
+            </a:r>
+            <a:r>
+              <a:rPr lang="en-US" dirty="0" smtClean="0"/>
+              <a:t>set </a:t>
+            </a:r>
+            <a:r>
+              <a:rPr lang="el-GR" dirty="0" smtClean="0"/>
+              <a:t>με την </a:t>
+            </a:r>
+            <a:r>
+              <a:rPr lang="en-US" dirty="0" err="1" smtClean="0"/>
+              <a:t>tmemPut</a:t>
+            </a:r>
+            <a:r>
+              <a:rPr lang="en-US" dirty="0" smtClean="0"/>
+              <a:t>. </a:t>
+            </a:r>
+            <a:endParaRPr lang="el-GR" dirty="0" smtClean="0"/>
+          </a:p>
+        </p:txBody>
+      </p:sp>
+      <p:sp>
+        <p:nvSpPr>
+          <p:cNvPr id="6" name="TextBox 5"/>
+          <p:cNvSpPr txBox="1"/>
+          <p:nvPr/>
+        </p:nvSpPr>
+        <p:spPr>
+          <a:xfrm>
+            <a:off x="1143000" y="5562600"/>
+            <a:ext cx="6705600" cy="646331"/>
+          </a:xfrm>
+          <a:prstGeom prst="rect">
+            <a:avLst/>
+          </a:prstGeom>
+          <a:noFill/>
+        </p:spPr>
+        <p:txBody>
+          <a:bodyPr wrap="square" rtlCol="0">
+            <a:spAutoFit/>
+          </a:bodyPr>
+          <a:lstStyle/>
+          <a:p>
+            <a:r>
+              <a:rPr lang="el-GR" dirty="0" smtClean="0"/>
               <a:t>Μετράμε τον </a:t>
             </a:r>
             <a:r>
@@ -17322,7 +17439,7 @@
             </a:r>
             <a:r>
               <a:rPr lang="en-US" dirty="0" smtClean="0"/>
-              <a:t>Redis. </a:t>
+              <a:t>Redis.</a:t>
             </a:r>
             <a:endParaRPr lang="el-GR" dirty="0" smtClean="0"/>
           </a:p>
@@ -17401,7 +17518,7 @@
         </p:nvSpPr>
         <p:spPr>
           <a:xfrm>
-            <a:off x="152400" y="4343400"/>
+            <a:off x="5105400" y="6096000"/>
             <a:ext cx="3810000" cy="646331"/>
           </a:xfrm>
           <a:prstGeom prst="rect">
@@ -17795,172 +17912,6 @@
           <a:chExt cx="0" cy="0"/>
         </a:xfrm>
       </p:grpSpPr>
-      <p:sp>
-        <p:nvSpPr>
-          <p:cNvPr id="3" name="Title 2"/>
-          <p:cNvSpPr>
-            <a:spLocks noGrp="1"/>
-          </p:cNvSpPr>
-          <p:nvPr>
-            <p:ph type="title"/>
-          </p:nvPr>
-        </p:nvSpPr>
-        <p:spPr/>
-        <p:txBody>
-          <a:bodyPr/>
-          <a:lstStyle/>
-          <a:p>
-            <a:r>
-              <a:rPr lang="el-GR" dirty="0" smtClean="0"/>
-              <a:t>Αξία του μηχανισμού</a:t>
-            </a:r>
-            <a:endParaRPr lang="en-US" dirty="0"/>
-          </a:p>
-        </p:txBody>
-      </p:sp>
-      <p:sp>
-        <p:nvSpPr>
-          <p:cNvPr id="5" name="TextBox 4"/>
-          <p:cNvSpPr txBox="1"/>
-          <p:nvPr/>
-        </p:nvSpPr>
-        <p:spPr>
-          <a:xfrm>
-            <a:off x="304800" y="1371600"/>
-            <a:ext cx="3962400" cy="369332"/>
-          </a:xfrm>
-          <a:prstGeom prst="rect">
-            <a:avLst/>
-          </a:prstGeom>
-          <a:noFill/>
-        </p:spPr>
-        <p:txBody>
-          <a:bodyPr wrap="square" rtlCol="0">
-            <a:spAutoFit/>
-          </a:bodyPr>
-          <a:lstStyle/>
-          <a:p>
-            <a:r>
-              <a:rPr lang="el-GR" dirty="0" smtClean="0"/>
-              <a:t>Σενάριο 1: άφθονη διαθέσιμη μνήμη</a:t>
-            </a:r>
-            <a:endParaRPr lang="en-US" dirty="0"/>
-          </a:p>
-        </p:txBody>
-      </p:sp>
-      <p:pic>
-        <p:nvPicPr>
-          <p:cNvPr id="63490" name="Picture 2"/>
-          <p:cNvPicPr>
-            <a:picLocks noChangeAspect="1" noChangeArrowheads="1"/>
-          </p:cNvPicPr>
-          <p:nvPr/>
-        </p:nvPicPr>
-        <p:blipFill>
-          <a:blip r:embed="rId2"/>
-          <a:srcRect/>
-          <a:stretch>
-            <a:fillRect/>
-          </a:stretch>
-        </p:blipFill>
-        <p:spPr bwMode="auto">
-          <a:xfrm>
-            <a:off x="4267201" y="990600"/>
-            <a:ext cx="4876800" cy="3099344"/>
-          </a:xfrm>
-          <a:prstGeom prst="rect">
-            <a:avLst/>
-          </a:prstGeom>
-          <a:noFill/>
-          <a:ln w="9525">
-            <a:noFill/>
-            <a:miter lim="800000"/>
-            <a:headEnd/>
-            <a:tailEnd/>
-          </a:ln>
-          <a:effectLst/>
-        </p:spPr>
-      </p:pic>
-      <p:sp>
-        <p:nvSpPr>
-          <p:cNvPr id="6" name="TextBox 5"/>
-          <p:cNvSpPr txBox="1"/>
-          <p:nvPr/>
-        </p:nvSpPr>
-        <p:spPr>
-          <a:xfrm>
-            <a:off x="304800" y="2133600"/>
-            <a:ext cx="3962400" cy="646331"/>
-          </a:xfrm>
-          <a:prstGeom prst="rect">
-            <a:avLst/>
-          </a:prstGeom>
-          <a:noFill/>
-        </p:spPr>
-        <p:txBody>
-          <a:bodyPr wrap="square" rtlCol="0">
-            <a:spAutoFit/>
-          </a:bodyPr>
-          <a:lstStyle/>
-          <a:p>
-            <a:r>
-              <a:rPr lang="el-GR" dirty="0" smtClean="0"/>
-              <a:t>Τα </a:t>
-            </a:r>
-            <a:r>
-              <a:rPr lang="en-US" dirty="0" smtClean="0"/>
-              <a:t>utmem commands </a:t>
-            </a:r>
-            <a:r>
-              <a:rPr lang="el-GR" dirty="0" smtClean="0"/>
-              <a:t>είναι πιο αργά από τα </a:t>
-            </a:r>
-            <a:r>
-              <a:rPr lang="en-US" dirty="0" smtClean="0"/>
-              <a:t>in-memory </a:t>
-            </a:r>
-            <a:r>
-              <a:rPr lang="en-US" dirty="0" smtClean="0"/>
-              <a:t>commands</a:t>
-            </a:r>
-            <a:r>
-              <a:rPr lang="el-GR" dirty="0" smtClean="0"/>
-              <a:t>!</a:t>
-            </a:r>
-            <a:endParaRPr lang="en-US" dirty="0"/>
-          </a:p>
-        </p:txBody>
-      </p:sp>
-      <p:sp>
-        <p:nvSpPr>
-          <p:cNvPr id="7" name="TextBox 6"/>
-          <p:cNvSpPr txBox="1"/>
-          <p:nvPr/>
-        </p:nvSpPr>
-        <p:spPr>
-          <a:xfrm>
-            <a:off x="304800" y="4038600"/>
-            <a:ext cx="4648200" cy="369332"/>
-          </a:xfrm>
-          <a:prstGeom prst="rect">
-            <a:avLst/>
-          </a:prstGeom>
-          <a:noFill/>
-        </p:spPr>
-        <p:txBody>
-          <a:bodyPr wrap="square" rtlCol="0">
-            <a:spAutoFit/>
-          </a:bodyPr>
-          <a:lstStyle/>
-          <a:p>
-            <a:r>
-              <a:rPr lang="el-GR" dirty="0" smtClean="0"/>
-              <a:t>Σενάριο 2: περιορισμένη διαθέσιμη μνήμη</a:t>
-            </a:r>
-            <a:endParaRPr lang="en-US" dirty="0"/>
-          </a:p>
-        </p:txBody>
-      </p:sp>
       <p:pic>
         <p:nvPicPr>
           <p:cNvPr id="63493" name="Picture 5"/>
@@ -17970,7 +17921,7 @@
           <p:nvPr/>
         </p:nvPicPr>
         <p:blipFill>
-          <a:blip r:embed="rId3"/>
+          <a:blip r:embed="rId2"/>
           <a:srcRect/>
           <a:stretch>
             <a:fillRect/>
@@ -17994,6 +17945,176 @@
           <a:effectLst/>
         </p:spPr>
       </p:pic>
+      <p:pic>
+        <p:nvPicPr>
+          <p:cNvPr id="63490" name="Picture 2"/>
+          <p:cNvPicPr>
+            <a:picLocks noChangeAspect="1" noChangeArrowheads="1"/>
+          </p:cNvPicPr>
+          <p:nvPr/>
+        </p:nvPicPr>
+        <p:blipFill>
+          <a:blip r:embed="rId3"/>
+          <a:srcRect/>
+          <a:stretch>
+            <a:fillRect/>
+          </a:stretch>
+        </p:blipFill>
+        <p:spPr bwMode="auto">
+          <a:xfrm>
+            <a:off x="4267200" y="914400"/>
+            <a:ext cx="4876800" cy="3099344"/>
+          </a:xfrm>
+          <a:prstGeom prst="rect">
+            <a:avLst/>
+          </a:prstGeom>
+          <a:noFill/>
+          <a:ln w="9525">
+            <a:noFill/>
+            <a:miter lim="800000"/>
+            <a:headEnd/>
+            <a:tailEnd/>
+          </a:ln>
+          <a:effectLst/>
+        </p:spPr>
+      </p:pic>
+      <p:sp>
+        <p:nvSpPr>
+          <p:cNvPr id="3" name="Title 2"/>
+          <p:cNvSpPr>
+            <a:spLocks noGrp="1"/>
+          </p:cNvSpPr>
+          <p:nvPr>
+            <p:ph type="title"/>
+          </p:nvPr>
+        </p:nvSpPr>
+        <p:spPr/>
+        <p:txBody>
+          <a:bodyPr/>
+          <a:lstStyle/>
+          <a:p>
+            <a:r>
+              <a:rPr lang="el-GR" dirty="0" smtClean="0"/>
+              <a:t>Αξία του μηχανισμού</a:t>
+            </a:r>
+            <a:endParaRPr lang="en-US" dirty="0"/>
+          </a:p>
+        </p:txBody>
+      </p:sp>
+      <p:sp>
+        <p:nvSpPr>
+          <p:cNvPr id="5" name="TextBox 4"/>
+          <p:cNvSpPr txBox="1"/>
+          <p:nvPr/>
+        </p:nvSpPr>
+        <p:spPr>
+          <a:xfrm>
+            <a:off x="304800" y="1371600"/>
+            <a:ext cx="3962400" cy="369332"/>
+          </a:xfrm>
+          <a:prstGeom prst="rect">
+            <a:avLst/>
+          </a:prstGeom>
+          <a:noFill/>
+        </p:spPr>
+        <p:txBody>
+          <a:bodyPr wrap="square" rtlCol="0">
+            <a:spAutoFit/>
+          </a:bodyPr>
+          <a:lstStyle/>
+          <a:p>
+            <a:r>
+              <a:rPr lang="el-GR" dirty="0" smtClean="0"/>
+              <a:t>Σενάριο 1: άφθονη διαθέσιμη μνήμη</a:t>
+            </a:r>
+            <a:endParaRPr lang="en-US" dirty="0"/>
+          </a:p>
+        </p:txBody>
+      </p:sp>
+      <p:sp>
+        <p:nvSpPr>
+          <p:cNvPr id="6" name="TextBox 5"/>
+          <p:cNvSpPr txBox="1"/>
+          <p:nvPr/>
+        </p:nvSpPr>
+        <p:spPr>
+          <a:xfrm>
+            <a:off x="304800" y="2133600"/>
+            <a:ext cx="3962400" cy="646331"/>
+          </a:xfrm>
+          <a:prstGeom prst="rect">
+            <a:avLst/>
+          </a:prstGeom>
+          <a:noFill/>
+        </p:spPr>
+        <p:txBody>
+          <a:bodyPr wrap="square" rtlCol="0">
+            <a:spAutoFit/>
+          </a:bodyPr>
+          <a:lstStyle/>
+          <a:p>
+            <a:r>
+              <a:rPr lang="el-GR" dirty="0" smtClean="0"/>
+              <a:t>Τα </a:t>
+            </a:r>
+            <a:r>
+              <a:rPr lang="en-US" dirty="0" smtClean="0"/>
+              <a:t>utmem commands </a:t>
+            </a:r>
+            <a:r>
+              <a:rPr lang="el-GR" dirty="0" smtClean="0"/>
+              <a:t>είναι </a:t>
+            </a:r>
+            <a:r>
+              <a:rPr lang="el-GR" b="1" dirty="0" smtClean="0"/>
+              <a:t>πιο αργά </a:t>
+            </a:r>
+            <a:r>
+              <a:rPr lang="el-GR" dirty="0" smtClean="0"/>
+              <a:t>από τα </a:t>
+            </a:r>
+            <a:r>
+              <a:rPr lang="en-US" dirty="0" smtClean="0"/>
+              <a:t>in-memory commands</a:t>
+            </a:r>
+            <a:r>
+              <a:rPr lang="el-GR" dirty="0" smtClean="0"/>
+              <a:t>!</a:t>
+            </a:r>
+            <a:endParaRPr lang="en-US" dirty="0"/>
+          </a:p>
+        </p:txBody>
+      </p:sp>
+      <p:sp>
+        <p:nvSpPr>
+          <p:cNvPr id="7" name="TextBox 6"/>
+          <p:cNvSpPr txBox="1"/>
+          <p:nvPr/>
+        </p:nvSpPr>
+        <p:spPr>
+          <a:xfrm>
+            <a:off x="304800" y="3886200"/>
+            <a:ext cx="4648200" cy="369332"/>
+          </a:xfrm>
+          <a:prstGeom prst="rect">
+            <a:avLst/>
+          </a:prstGeom>
+          <a:noFill/>
+        </p:spPr>
+        <p:txBody>
+          <a:bodyPr wrap="square" rtlCol="0">
+            <a:spAutoFit/>
+          </a:bodyPr>
+          <a:lstStyle/>
+          <a:p>
+            <a:r>
+              <a:rPr lang="el-GR" dirty="0" smtClean="0"/>
+              <a:t>Σενάριο 2: περιορισμένη διαθέσιμη μνήμη</a:t>
+            </a:r>
+            <a:endParaRPr lang="en-US" dirty="0"/>
+          </a:p>
+        </p:txBody>
+      </p:sp>
       <p:sp>
         <p:nvSpPr>
           <p:cNvPr id="10" name="TextBox 9"/>
@@ -18038,17 +18159,16 @@
             </a:r>
             <a:r>
               <a:rPr lang="el-GR" dirty="0" smtClean="0"/>
-              <a:t>εντολές όταν γεμίσει </a:t>
-            </a:r>
-            <a:r>
-              <a:rPr lang="el-GR" dirty="0" smtClean="0"/>
-              <a:t>πλήρως η μνήμη</a:t>
-            </a:r>
-            <a:r>
-              <a:rPr lang="el-GR" dirty="0" smtClean="0"/>
-              <a:t>!</a:t>
-            </a:r>
-            <a:endParaRPr lang="el-GR" dirty="0" smtClean="0"/>
+              <a:t>εντολές όταν γεμίσει πλήρως η μνήμη!</a:t>
+            </a:r>
+            <a:r>
+              <a:rPr lang="en-US" dirty="0" smtClean="0"/>
+              <a:t> </a:t>
+            </a:r>
+            <a:r>
+              <a:rPr lang="el-GR" dirty="0" smtClean="0"/>
+              <a:t>Καταστροφική συμπεριφορά</a:t>
+            </a:r>
           </a:p>
         </p:txBody>
       </p:sp>
@@ -18088,7 +18208,7 @@
             </a:r>
             <a:r>
               <a:rPr lang="el-GR" dirty="0" smtClean="0"/>
-              <a:t>ικανοποιείται κανονικά. Καμία επιπλέον επιβράδυνση δεν παρατηρείται.</a:t>
+              <a:t>ικανοποιείται κανονικά. Καμία επιπλέον επιβράδυνση δεν παρατηρείται</a:t>
             </a:r>
             <a:endParaRPr lang="en-US" dirty="0"/>
           </a:p>
@@ -18508,7 +18628,7 @@
         </p:blipFill>
         <p:spPr bwMode="auto">
           <a:xfrm>
-            <a:off x="0" y="4116779"/>
+            <a:off x="533400" y="2514600"/>
             <a:ext cx="6629400" cy="2741221"/>
           </a:xfrm>
           <a:prstGeom prst="rect">
@@ -18595,7 +18715,7 @@
         </p:nvSpPr>
         <p:spPr>
           <a:xfrm>
-            <a:off x="304800" y="2362200"/>
+            <a:off x="685800" y="2362200"/>
             <a:ext cx="8001000" cy="646331"/>
           </a:xfrm>
           <a:prstGeom prst="rect">
@@ -18649,8 +18769,8 @@
         </p:nvSpPr>
         <p:spPr>
           <a:xfrm>
-            <a:off x="0" y="3276600"/>
-            <a:ext cx="6172200" cy="646331"/>
+            <a:off x="304800" y="5181600"/>
+            <a:ext cx="8458200" cy="646331"/>
           </a:xfrm>
           <a:prstGeom prst="rect">
             <a:avLst/>
@@ -18665,11 +18785,15 @@
           <a:p>
             <a:r>
               <a:rPr lang="el-GR" dirty="0" smtClean="0"/>
-              <a:t>Αποστέλει </a:t>
-            </a:r>
-            <a:r>
-              <a:rPr lang="el-GR" dirty="0" smtClean="0"/>
-              <a:t>το ίδιο αίτημα </a:t>
+              <a:t>Ο </a:t>
+            </a:r>
+            <a:r>
+              <a:rPr lang="en-US" dirty="0" smtClean="0"/>
+              <a:t>client </a:t>
+            </a:r>
+            <a:r>
+              <a:rPr lang="el-GR" dirty="0" smtClean="0"/>
+              <a:t>αποστέλει το ίδιο αίτημα </a:t>
             </a:r>
             <a:r>
               <a:rPr lang="en-US" dirty="0" err="1" smtClean="0"/>
@@ -18681,24 +18805,15 @@
             </a:r>
             <a:r>
               <a:rPr lang="el-GR" dirty="0" smtClean="0"/>
-              <a:t>για </a:t>
-            </a:r>
-            <a:r>
-              <a:rPr lang="el-GR" dirty="0" smtClean="0"/>
-              <a:t>προκαθορισμένο χρόνο</a:t>
-            </a:r>
-            <a:r>
-              <a:rPr lang="el-GR" dirty="0" smtClean="0"/>
-              <a:t>.</a:t>
+              <a:t>για προκαθορισμένο χρόνο.</a:t>
             </a:r>
             <a:endParaRPr lang="en-US" dirty="0" smtClean="0"/>
           </a:p>
           <a:p>
             <a:r>
               <a:rPr lang="el-GR" dirty="0" smtClean="0"/>
-              <a:t>Δεν γεμίζει η μνήμη</a:t>
-            </a:r>
-            <a:endParaRPr lang="el-GR" dirty="0" smtClean="0"/>
+              <a:t>Δεν γεμίζει την μνήμη</a:t>
+            </a:r>
           </a:p>
         </p:txBody>
       </p:sp>
@@ -18710,8 +18825,8 @@
         </p:nvSpPr>
         <p:spPr>
           <a:xfrm>
-            <a:off x="5791200" y="3962400"/>
-            <a:ext cx="3200400" cy="1200329"/>
+            <a:off x="3429000" y="5791200"/>
+            <a:ext cx="5715000" cy="646331"/>
           </a:xfrm>
           <a:prstGeom prst="rect">
             <a:avLst/>
@@ -18736,8 +18851,10 @@
               <a:rPr lang="el-GR" dirty="0" smtClean="0"/>
               <a:t>για να δούμε πως επηρεάζει το σύστημα εκτέλεσης</a:t>
             </a:r>
-          </a:p>
-          <a:p>
+            <a:r>
+              <a:rPr lang="en-US" dirty="0" smtClean="0"/>
+              <a:t>  </a:t>
+            </a:r>
             <a:r>
               <a:rPr lang="el-GR" dirty="0" smtClean="0"/>
               <a:t>(</a:t>
@@ -19216,7 +19333,7 @@
         </p:nvSpPr>
         <p:spPr>
           <a:xfrm>
-            <a:off x="4724400" y="3886200"/>
+            <a:off x="762000" y="4038600"/>
             <a:ext cx="4419600" cy="369332"/>
           </a:xfrm>
           <a:prstGeom prst="rect">
@@ -19250,8 +19367,8 @@
         </p:nvSpPr>
         <p:spPr>
           <a:xfrm>
-            <a:off x="5867400" y="5486400"/>
-            <a:ext cx="3276600" cy="923330"/>
+            <a:off x="5410200" y="4419600"/>
+            <a:ext cx="3429000" cy="923330"/>
           </a:xfrm>
           <a:prstGeom prst="rect">
             <a:avLst/>
@@ -19636,11 +19753,7 @@
                       </a:r>
                       <a:r>
                         <a:rPr lang="en-US" baseline="0" dirty="0" smtClean="0"/>
-                        <a:t> </a:t>
-                      </a:r>
-                      <a:r>
-                        <a:rPr lang="en-US" baseline="0" dirty="0" smtClean="0"/>
-                        <a:t>utmem</a:t>
+                        <a:t> utmem</a:t>
                       </a:r>
                       <a:endParaRPr lang="en-US" dirty="0"/>
                     </a:p>
@@ -19814,11 +19927,7 @@
             </a:r>
             <a:r>
               <a:rPr lang="el-GR" dirty="0" smtClean="0"/>
-              <a:t>: </a:t>
-            </a:r>
-            <a:r>
-              <a:rPr lang="el-GR" dirty="0" smtClean="0"/>
-              <a:t>από την στιγμή που ο </a:t>
+              <a:t>: από την στιγμή που ο </a:t>
             </a:r>
             <a:r>
               <a:rPr lang="en-US" dirty="0" smtClean="0"/>
@@ -19848,11 +19957,7 @@
             </a:r>
             <a:r>
               <a:rPr lang="el-GR" dirty="0" smtClean="0"/>
-              <a:t>όσο η ροή βρίσκεται εντός της συνάρτησης </a:t>
-            </a:r>
-            <a:r>
-              <a:rPr lang="el-GR" dirty="0" smtClean="0"/>
-              <a:t>χειρισμού</a:t>
+              <a:t>όσο η ροή βρίσκεται εντός της συνάρτησης χειρισμού</a:t>
             </a:r>
             <a:r>
               <a:rPr lang="en-US" dirty="0" smtClean="0"/>
@@ -20006,7 +20111,11 @@
             </a:r>
             <a:r>
               <a:rPr lang="el-GR" dirty="0" smtClean="0"/>
-              <a:t>που χρησιμοποιείται για τον αυθεντικό μηχανισμό</a:t>
+              <a:t>που χρησιμοποιείται από την αυθεντική </a:t>
+            </a:r>
+            <a:r>
+              <a:rPr lang="en-US" dirty="0" smtClean="0"/>
+              <a:t>utmem</a:t>
             </a:r>
             <a:endParaRPr lang="en-US" dirty="0"/>
           </a:p>
@@ -20426,11 +20535,7 @@
           <a:p>
             <a:r>
               <a:rPr lang="el-GR" dirty="0" smtClean="0"/>
-              <a:t>Τα άλλα στάδια της τάξης του </a:t>
-            </a:r>
-            <a:r>
-              <a:rPr lang="el-GR" dirty="0" smtClean="0"/>
-              <a:t>μ</a:t>
+              <a:t>Τα άλλα στάδια της τάξης του μ</a:t>
             </a:r>
             <a:r>
               <a:rPr lang="en-US" dirty="0" smtClean="0"/>
@@ -21008,7 +21113,7 @@
         <p:spPr>
           <a:xfrm>
             <a:off x="152400" y="4191000"/>
-            <a:ext cx="4724400" cy="646331"/>
+            <a:ext cx="8229600" cy="369332"/>
           </a:xfrm>
           <a:prstGeom prst="rect">
             <a:avLst/>
@@ -21053,8 +21158,8 @@
         </p:nvSpPr>
         <p:spPr>
           <a:xfrm>
-            <a:off x="5181600" y="4191000"/>
-            <a:ext cx="3733800" cy="646331"/>
+            <a:off x="152400" y="4648200"/>
+            <a:ext cx="4800600" cy="369332"/>
           </a:xfrm>
           <a:prstGeom prst="rect">
             <a:avLst/>
@@ -21395,11 +21500,7 @@
           <a:p>
             <a:r>
               <a:rPr lang="el-GR" dirty="0" smtClean="0"/>
-              <a:t>Εστιάζουμε τώρα μόνο </a:t>
-            </a:r>
-            <a:r>
-              <a:rPr lang="el-GR" dirty="0" smtClean="0"/>
-              <a:t>στον </a:t>
+              <a:t>Εστιάζουμε τώρα μόνο στον </a:t>
             </a:r>
             <a:r>
               <a:rPr lang="en-US" b="1" dirty="0" err="1" smtClean="0"/>
@@ -21407,11 +21508,7 @@
             </a:r>
             <a:r>
               <a:rPr lang="en-US" dirty="0" smtClean="0"/>
-              <a:t> </a:t>
-            </a:r>
-            <a:r>
-              <a:rPr lang="en-US" dirty="0" smtClean="0"/>
-              <a:t>(original) </a:t>
+              <a:t> (original) </a:t>
             </a:r>
             <a:r>
               <a:rPr lang="el-GR" dirty="0" smtClean="0"/>
@@ -21924,7 +22021,7 @@
         </p:nvSpPr>
         <p:spPr>
           <a:xfrm>
-            <a:off x="1143000" y="4572000"/>
+            <a:off x="1066800" y="4648200"/>
             <a:ext cx="7848600" cy="1415772"/>
           </a:xfrm>
           <a:prstGeom prst="rect">
@@ -22340,11 +22437,7 @@
           <a:p>
             <a:r>
               <a:rPr lang="el-GR" dirty="0" smtClean="0"/>
-              <a:t>ο </a:t>
-            </a:r>
-            <a:r>
-              <a:rPr lang="el-GR" dirty="0" smtClean="0"/>
-              <a:t>συνδυασμός </a:t>
+              <a:t>ο συνδυασμός </a:t>
             </a:r>
             <a:r>
               <a:rPr lang="en-US" dirty="0" smtClean="0"/>
@@ -22360,11 +22453,7 @@
             </a:r>
             <a:r>
               <a:rPr lang="el-GR" dirty="0" smtClean="0"/>
-              <a:t>προσφέρει </a:t>
-            </a:r>
-            <a:r>
-              <a:rPr lang="el-GR" dirty="0" smtClean="0"/>
-              <a:t>και στην πράξη καρπούς</a:t>
+              <a:t>προσφέρει και στην πράξη καρπούς</a:t>
             </a:r>
             <a:endParaRPr lang="en-US" dirty="0"/>
           </a:p>
@@ -22378,7 +22467,7 @@
         </p:nvSpPr>
         <p:spPr>
           <a:xfrm>
-            <a:off x="762000" y="1295400"/>
+            <a:off x="685800" y="1295400"/>
             <a:ext cx="7696200" cy="923330"/>
           </a:xfrm>
           <a:prstGeom prst="rect">
@@ -22469,11 +22558,19 @@
             </a:r>
             <a:r>
               <a:rPr lang="el-GR" dirty="0" smtClean="0"/>
-              <a:t>αν μας ενδιαφέρει η ταχύτητα επικοινωνία θα επιλέγαμε την </a:t>
+              <a:t>αν μας ενδιαφέρει η ταχύτητα επικοινωνίας </a:t>
+            </a:r>
+            <a:r>
+              <a:rPr lang="el-GR" b="1" dirty="0" smtClean="0"/>
+              <a:t>θα επιλέγαμε την </a:t>
+            </a:r>
+            <a:r>
+              <a:rPr lang="en-US" b="1" dirty="0" smtClean="0"/>
+              <a:t>unikernel</a:t>
             </a:r>
             <a:r>
               <a:rPr lang="en-US" dirty="0" smtClean="0"/>
-              <a:t>unikernel.</a:t>
+              <a:t>.</a:t>
             </a:r>
             <a:endParaRPr lang="el-GR" dirty="0" smtClean="0"/>
           </a:p>
@@ -22491,7 +22588,7 @@
             </a:r>
             <a:r>
               <a:rPr lang="el-GR" dirty="0" smtClean="0"/>
-              <a:t>πλαισίου, και δεν προέρχεται από διαφορά των δύο μηχανισμών!</a:t>
+              <a:t>πλαισίου, και δεν πηγάζει από διαφορά των δύο μηχανισμών!</a:t>
             </a:r>
             <a:endParaRPr lang="en-US" dirty="0"/>
           </a:p>
@@ -22873,8 +22970,8 @@
         </p:nvSpPr>
         <p:spPr>
           <a:xfrm>
-            <a:off x="5562600" y="2971800"/>
-            <a:ext cx="3048000" cy="646331"/>
+            <a:off x="381000" y="4419600"/>
+            <a:ext cx="6934200" cy="369332"/>
           </a:xfrm>
           <a:prstGeom prst="rect">
             <a:avLst/>
@@ -22963,7 +23060,7 @@
         </p:nvSpPr>
         <p:spPr>
           <a:xfrm>
-            <a:off x="2743200" y="4876800"/>
+            <a:off x="2133600" y="4876800"/>
             <a:ext cx="6096000" cy="1508105"/>
           </a:xfrm>
           <a:prstGeom prst="rect">
@@ -23403,82 +23500,6 @@
           </a:p>
         </p:txBody>
       </p:sp>
-      <p:sp>
-        <p:nvSpPr>
-          <p:cNvPr id="6" name="TextBox 5"/>
-          <p:cNvSpPr txBox="1"/>
-          <p:nvPr/>
-        </p:nvSpPr>
-        <p:spPr>
-          <a:xfrm>
-            <a:off x="304800" y="2819400"/>
-            <a:ext cx="5638800" cy="646331"/>
-          </a:xfrm>
-          <a:prstGeom prst="rect">
-            <a:avLst/>
-          </a:prstGeom>
-          <a:noFill/>
-        </p:spPr>
-        <p:txBody>
-          <a:bodyPr wrap="square" rtlCol="0">
-            <a:spAutoFit/>
-          </a:bodyPr>
-          <a:lstStyle/>
-          <a:p>
-            <a:r>
-              <a:rPr lang="en-US" dirty="0" smtClean="0"/>
-              <a:t>Hypervisor </a:t>
-            </a:r>
-            <a:r>
-              <a:rPr lang="el-GR" dirty="0" smtClean="0"/>
-              <a:t>ανάμεσα σε υλικό και </a:t>
-            </a:r>
-            <a:r>
-              <a:rPr lang="en-US" dirty="0" smtClean="0"/>
-              <a:t>guest</a:t>
-            </a:r>
-            <a:r>
-              <a:rPr lang="el-GR" dirty="0" smtClean="0"/>
-              <a:t> : </a:t>
-            </a:r>
-            <a:r>
-              <a:rPr lang="en-US" dirty="0" smtClean="0"/>
-              <a:t>T</a:t>
-            </a:r>
-            <a:r>
-              <a:rPr lang="el-GR" dirty="0" smtClean="0"/>
-              <a:t>ύπου </a:t>
-            </a:r>
-            <a:r>
-              <a:rPr lang="en-US" dirty="0" smtClean="0"/>
-              <a:t>I</a:t>
-            </a:r>
-          </a:p>
-          <a:p>
-            <a:r>
-              <a:rPr lang="en-US" dirty="0" smtClean="0"/>
-              <a:t>Hypervisor </a:t>
-            </a:r>
-            <a:r>
-              <a:rPr lang="el-GR" dirty="0" smtClean="0"/>
-              <a:t>μέρος ενός άλλου λειτουργικού :</a:t>
-            </a:r>
-            <a:r>
-              <a:rPr lang="en-US" dirty="0" smtClean="0"/>
-              <a:t> T</a:t>
-            </a:r>
-            <a:r>
-              <a:rPr lang="el-GR" dirty="0" smtClean="0"/>
-              <a:t>ύπου Ι</a:t>
-            </a:r>
-            <a:r>
-              <a:rPr lang="en-US" dirty="0" smtClean="0"/>
-              <a:t>I</a:t>
-            </a:r>
-            <a:endParaRPr lang="en-US" dirty="0"/>
-          </a:p>
-        </p:txBody>
-      </p:sp>
       <p:pic>
         <p:nvPicPr>
           <p:cNvPr id="27649" name="Picture 1"/>
@@ -23496,7 +23517,7 @@
         </p:blipFill>
         <p:spPr bwMode="auto">
           <a:xfrm>
-            <a:off x="533399" y="3657600"/>
+            <a:off x="533400" y="2514600"/>
             <a:ext cx="4630899" cy="2590800"/>
           </a:xfrm>
           <a:prstGeom prst="rect">
@@ -23746,14 +23767,6 @@
             </a:r>
             <a:r>
               <a:rPr lang="el-GR" sz="1400" dirty="0" smtClean="0"/>
-              <a:t> </a:t>
-            </a:r>
-            <a:r>
-              <a:rPr lang="en-US" sz="1400" dirty="0" smtClean="0"/>
-              <a:t>guest</a:t>
-            </a:r>
-            <a:r>
-              <a:rPr lang="el-GR" sz="1400" dirty="0" smtClean="0"/>
               <a:t>)</a:t>
             </a:r>
             <a:endParaRPr lang="en-US" sz="1400" dirty="0"/>
@@ -23822,8 +23835,8 @@
         </p:nvSpPr>
         <p:spPr>
           <a:xfrm>
-            <a:off x="5486400" y="4876800"/>
-            <a:ext cx="3352800" cy="923330"/>
+            <a:off x="2362200" y="5486400"/>
+            <a:ext cx="6019800" cy="646331"/>
           </a:xfrm>
           <a:prstGeom prst="rect">
             <a:avLst/>
@@ -23842,7 +23855,7 @@
             </a:r>
             <a:r>
               <a:rPr lang="en-US" dirty="0" smtClean="0"/>
-              <a:t>guest </a:t>
+              <a:t>hypervisor </a:t>
             </a:r>
             <a:r>
               <a:rPr lang="el-GR" dirty="0" smtClean="0"/>
@@ -23857,6 +23870,70 @@
               <a:t> μπορεί να χρησιμοποιηθέι η μία στην θέση της άλλης</a:t>
             </a:r>
             <a:endParaRPr lang="en-US" dirty="0"/>
+          </a:p>
+        </p:txBody>
+      </p:sp>
+      <p:sp>
+        <p:nvSpPr>
+          <p:cNvPr id="15" name="TextBox 14"/>
+          <p:cNvSpPr txBox="1"/>
+          <p:nvPr/>
+        </p:nvSpPr>
+        <p:spPr>
+          <a:xfrm>
+            <a:off x="457200" y="4953000"/>
+            <a:ext cx="2362200" cy="307777"/>
+          </a:xfrm>
+          <a:prstGeom prst="rect">
+            <a:avLst/>
+          </a:prstGeom>
+          <a:noFill/>
+        </p:spPr>
+        <p:txBody>
+          <a:bodyPr wrap="square" rtlCol="0">
+            <a:spAutoFit/>
+          </a:bodyPr>
+          <a:lstStyle/>
+          <a:p>
+            <a:r>
+              <a:rPr lang="el-GR" sz="1400" dirty="0" smtClean="0"/>
+              <a:t>Ανάμεσα στο υλικό και </a:t>
+            </a:r>
+            <a:r>
+              <a:rPr lang="en-US" sz="1400" dirty="0" smtClean="0"/>
+              <a:t>guest</a:t>
+            </a:r>
+            <a:endParaRPr lang="en-US" sz="1400" dirty="0"/>
+          </a:p>
+        </p:txBody>
+      </p:sp>
+      <p:sp>
+        <p:nvSpPr>
+          <p:cNvPr id="16" name="TextBox 15"/>
+          <p:cNvSpPr txBox="1"/>
+          <p:nvPr/>
+        </p:nvSpPr>
+        <p:spPr>
+          <a:xfrm>
+            <a:off x="2895600" y="4953000"/>
+            <a:ext cx="2514600" cy="307777"/>
+          </a:xfrm>
+          <a:prstGeom prst="rect">
+            <a:avLst/>
+          </a:prstGeom>
+          <a:noFill/>
+        </p:spPr>
+        <p:txBody>
+          <a:bodyPr wrap="square" rtlCol="0">
+            <a:spAutoFit/>
+          </a:bodyPr>
+          <a:lstStyle/>
+          <a:p>
+            <a:r>
+              <a:rPr lang="el-GR" sz="1400" dirty="0" smtClean="0"/>
+              <a:t>Μέρος ενός άλλου λειτουργικού</a:t>
+            </a:r>
+            <a:endParaRPr lang="en-US" sz="1400" dirty="0"/>
           </a:p>
         </p:txBody>
       </p:sp>
@@ -23974,7 +24051,7 @@
                                 </p:cTn>
                               </p:par>
                               <p:par>
-                                <p:cTn id="13" presetID="3" presetClass="entr" presetSubtype="10" fill="hold" nodeType="withEffect">
+                                <p:cTn id="13" presetID="3" presetClass="entr" presetSubtype="10" fill="hold" grpId="0" nodeType="withEffect">
                                   <p:stCondLst>
                                     <p:cond delay="0"/>
                                   </p:stCondLst>
@@ -23987,7 +24064,7 @@
                                           </p:stCondLst>
                                         </p:cTn>
                                         <p:tgtEl>
-                                          <p:spTgt spid="27650"/>
+                                          <p:spTgt spid="15"/>
                                         </p:tgtEl>
                                         <p:attrNameLst>
                                           <p:attrName>style.visibility</p:attrName>
@@ -24001,7 +24078,7 @@
                                       <p:cBhvr>
                                         <p:cTn id="15" dur="500"/>
                                         <p:tgtEl>
-                                          <p:spTgt spid="27650"/>
+                                          <p:spTgt spid="15"/>
                                         </p:tgtEl>
                                       </p:cBhvr>
                                     </p:animEffect>
@@ -24009,7 +24086,7 @@
                                 </p:cTn>
                               </p:par>
                               <p:par>
-                                <p:cTn id="16" presetID="3" presetClass="entr" presetSubtype="10" fill="hold" nodeType="withEffect">
+                                <p:cTn id="16" presetID="3" presetClass="entr" presetSubtype="10" fill="hold" grpId="0" nodeType="withEffect">
                                   <p:stCondLst>
                                     <p:cond delay="0"/>
                                   </p:stCondLst>
@@ -24022,7 +24099,7 @@
                                           </p:stCondLst>
                                         </p:cTn>
                                         <p:tgtEl>
-                                          <p:spTgt spid="27651"/>
+                                          <p:spTgt spid="16"/>
                                         </p:tgtEl>
                                         <p:attrNameLst>
                                           <p:attrName>style.visibility</p:attrName>
@@ -24036,7 +24113,7 @@
                                       <p:cBhvr>
                                         <p:cTn id="18" dur="500"/>
                                         <p:tgtEl>
-                                          <p:spTgt spid="27651"/>
+                                          <p:spTgt spid="16"/>
                                         </p:tgtEl>
                                       </p:cBhvr>
                                     </p:animEffect>
@@ -24057,7 +24134,7 @@
                                           </p:stCondLst>
                                         </p:cTn>
                                         <p:tgtEl>
-                                          <p:spTgt spid="27652"/>
+                                          <p:spTgt spid="27650"/>
                                         </p:tgtEl>
                                         <p:attrNameLst>
                                           <p:attrName>style.visibility</p:attrName>
@@ -24071,7 +24148,7 @@
                                       <p:cBhvr>
                                         <p:cTn id="21" dur="500"/>
                                         <p:tgtEl>
-                                          <p:spTgt spid="27652"/>
+                                          <p:spTgt spid="27650"/>
                                         </p:tgtEl>
                                       </p:cBhvr>
                                     </p:animEffect>
@@ -24092,7 +24169,7 @@
                                           </p:stCondLst>
                                         </p:cTn>
                                         <p:tgtEl>
-                                          <p:spTgt spid="27653"/>
+                                          <p:spTgt spid="27651"/>
                                         </p:tgtEl>
                                         <p:attrNameLst>
                                           <p:attrName>style.visibility</p:attrName>
@@ -24106,7 +24183,112 @@
                                       <p:cBhvr>
                                         <p:cTn id="24" dur="500"/>
                                         <p:tgtEl>
+                                          <p:spTgt spid="27651"/>
+                                        </p:tgtEl>
+                                      </p:cBhvr>
+                                    </p:animEffect>
+                                  </p:childTnLst>
+                                </p:cTn>
+                              </p:par>
+                              <p:par>
+                                <p:cTn id="25" presetID="3" presetClass="entr" presetSubtype="10" fill="hold" nodeType="withEffect">
+                                  <p:stCondLst>
+                                    <p:cond delay="0"/>
+                                  </p:stCondLst>
+                                  <p:childTnLst>
+                                    <p:set>
+                                      <p:cBhvr>
+                                        <p:cTn id="26" dur="1" fill="hold">
+                                          <p:stCondLst>
+                                            <p:cond delay="0"/>
+                                          </p:stCondLst>
+                                        </p:cTn>
+                                        <p:tgtEl>
+                                          <p:spTgt spid="27652"/>
+                                        </p:tgtEl>
+                                        <p:attrNameLst>
+                                          <p:attrName>style.visibility</p:attrName>
+                                        </p:attrNameLst>
+                                      </p:cBhvr>
+                                      <p:to>
+                                        <p:strVal val="visible"/>
+                                      </p:to>
+                                    </p:set>
+                                    <p:animEffect transition="in" filter="blinds(horizontal)">
+                                      <p:cBhvr>
+                                        <p:cTn id="27" dur="500"/>
+                                        <p:tgtEl>
+                                          <p:spTgt spid="27652"/>
+                                        </p:tgtEl>
+                                      </p:cBhvr>
+                                    </p:animEffect>
+                                  </p:childTnLst>
+                                </p:cTn>
+                              </p:par>
+                              <p:par>
+                                <p:cTn id="28" presetID="3" presetClass="entr" presetSubtype="10" fill="hold" nodeType="withEffect">
+                                  <p:stCondLst>
+                                    <p:cond delay="0"/>
+                                  </p:stCondLst>
+                                  <p:childTnLst>
+                                    <p:set>
+                                      <p:cBhvr>
+                                        <p:cTn id="29" dur="1" fill="hold">
+                                          <p:stCondLst>
+                                            <p:cond delay="0"/>
+                                          </p:stCondLst>
+                                        </p:cTn>
+                                        <p:tgtEl>
                                           <p:spTgt spid="27653"/>
+                                        </p:tgtEl>
+                                        <p:attrNameLst>
+                                          <p:attrName>style.visibility</p:attrName>
+                                        </p:attrNameLst>
+                                      </p:cBhvr>
+                                      <p:to>
+                                        <p:strVal val="visible"/>
+                                      </p:to>
+                                    </p:set>
+                                    <p:animEffect transition="in" filter="blinds(horizontal)">
+                                      <p:cBhvr>
+                                        <p:cTn id="30" dur="500"/>
+                                        <p:tgtEl>
+                                          <p:spTgt spid="27653"/>
+                                        </p:tgtEl>
+                                      </p:cBhvr>
+                                    </p:animEffect>
+                                  </p:childTnLst>
+                                </p:cTn>
+                              </p:par>
+                              <p:par>
+                                <p:cTn id="31" presetID="3" presetClass="entr" presetSubtype="10" fill="hold" nodeType="withEffect">
+                                  <p:stCondLst>
+                                    <p:cond delay="0"/>
+                                  </p:stCondLst>
+                                  <p:childTnLst>
+                                    <p:set>
+                                      <p:cBhvr>
+                                        <p:cTn id="32" dur="1" fill="hold">
+                                          <p:stCondLst>
+                                            <p:cond delay="0"/>
+                                          </p:stCondLst>
+                                        </p:cTn>
+                                        <p:tgtEl>
+                                          <p:spTgt spid="27649"/>
+                                        </p:tgtEl>
+                                        <p:attrNameLst>
+                                          <p:attrName>style.visibility</p:attrName>
+                                        </p:attrNameLst>
+                                      </p:cBhvr>
+                                      <p:to>
+                                        <p:strVal val="visible"/>
+                                      </p:to>
+                                    </p:set>
+                                    <p:animEffect transition="in" filter="blinds(horizontal)">
+                                      <p:cBhvr>
+                                        <p:cTn id="33" dur="500"/>
+                                        <p:tgtEl>
+                                          <p:spTgt spid="27649"/>
                                         </p:tgtEl>
                                       </p:cBhvr>
                                     </p:animEffect>
@@ -24120,32 +24302,32 @@
                     </p:cTn>
                   </p:par>
                   <p:par>
-                    <p:cTn id="25" fill="hold">
+                    <p:cTn id="34" fill="hold">
                       <p:stCondLst>
                         <p:cond delay="indefinite"/>
                       </p:stCondLst>
                       <p:childTnLst>
                         <p:par>
-                          <p:cTn id="26" fill="hold">
+                          <p:cTn id="35" fill="hold">
                             <p:stCondLst>
                               <p:cond delay="0"/>
                             </p:stCondLst>
                             <p:childTnLst>
                               <p:par>
-                                <p:cTn id="27" presetID="3" presetClass="entr" presetSubtype="10" fill="hold" grpId="0" nodeType="clickEffect">
+                                <p:cTn id="36" presetID="3" presetClass="entr" presetSubtype="10" fill="hold" grpId="0" nodeType="clickEffect">
                                   <p:stCondLst>
                                     <p:cond delay="0"/>
                                   </p:stCondLst>
                                   <p:childTnLst>
                                     <p:set>
                                       <p:cBhvr>
-                                        <p:cTn id="28" dur="1" fill="hold">
+                                        <p:cTn id="37" dur="1" fill="hold">
                                           <p:stCondLst>
                                             <p:cond delay="0"/>
                                           </p:stCondLst>
                                         </p:cTn>
                                         <p:tgtEl>
-                                          <p:spTgt spid="6"/>
+                                          <p:spTgt spid="13"/>
                                         </p:tgtEl>
                                         <p:attrNameLst>
                                           <p:attrName>style.visibility</p:attrName>
@@ -24157,44 +24339,9 @@
                                     </p:set>
                                     <p:animEffect transition="in" filter="blinds(horizontal)">
                                       <p:cBhvr>
-                                        <p:cTn id="29" dur="500"/>
-                                        <p:tgtEl>
-                                          <p:spTgt spid="6"/>
-                                        </p:tgtEl>
-                                      </p:cBhvr>
-                                    </p:animEffect>
-                                  </p:childTnLst>
-                                </p:cTn>
-                              </p:par>
-                              <p:par>
-                                <p:cTn id="30" presetID="3" presetClass="entr" presetSubtype="10" fill="hold" nodeType="withEffect">
-                                  <p:stCondLst>
-                                    <p:cond delay="0"/>
-                                  </p:stCondLst>
-                                  <p:childTnLst>
-                                    <p:set>
-                                      <p:cBhvr>
-                                        <p:cTn id="31" dur="1" fill="hold">
-                                          <p:stCondLst>
-                                            <p:cond delay="0"/>
-                                          </p:stCondLst>
-                                        </p:cTn>
-                                        <p:tgtEl>
-                                          <p:spTgt spid="27649"/>
-                                        </p:tgtEl>
-                                        <p:attrNameLst>
-                                          <p:attrName>style.visibility</p:attrName>
-                                        </p:attrNameLst>
-                                      </p:cBhvr>
-                                      <p:to>
-                                        <p:strVal val="visible"/>
-                                      </p:to>
-                                    </p:set>
-                                    <p:animEffect transition="in" filter="blinds(horizontal)">
-                                      <p:cBhvr>
-                                        <p:cTn id="32" dur="500"/>
-                                        <p:tgtEl>
-                                          <p:spTgt spid="27649"/>
+                                        <p:cTn id="38" dur="500"/>
+                                        <p:tgtEl>
+                                          <p:spTgt spid="13"/>
                                         </p:tgtEl>
                                       </p:cBhvr>
                                     </p:animEffect>
@@ -24208,32 +24355,32 @@
                     </p:cTn>
                   </p:par>
                   <p:par>
-                    <p:cTn id="33" fill="hold">
+                    <p:cTn id="39" fill="hold">
                       <p:stCondLst>
                         <p:cond delay="indefinite"/>
                       </p:stCondLst>
                       <p:childTnLst>
                         <p:par>
-                          <p:cTn id="34" fill="hold">
+                          <p:cTn id="40" fill="hold">
                             <p:stCondLst>
                               <p:cond delay="0"/>
                             </p:stCondLst>
                             <p:childTnLst>
                               <p:par>
-                                <p:cTn id="35" presetID="3" presetClass="entr" presetSubtype="10" fill="hold" grpId="0" nodeType="clickEffect">
+                                <p:cTn id="41" presetID="3" presetClass="entr" presetSubtype="10" fill="hold" grpId="0" nodeType="clickEffect">
                                   <p:stCondLst>
                                     <p:cond delay="0"/>
                                   </p:stCondLst>
                                   <p:childTnLst>
                                     <p:set>
                                       <p:cBhvr>
-                                        <p:cTn id="36" dur="1" fill="hold">
+                                        <p:cTn id="42" dur="1" fill="hold">
                                           <p:stCondLst>
                                             <p:cond delay="0"/>
                                           </p:stCondLst>
                                         </p:cTn>
                                         <p:tgtEl>
-                                          <p:spTgt spid="13"/>
+                                          <p:spTgt spid="14"/>
                                         </p:tgtEl>
                                         <p:attrNameLst>
                                           <p:attrName>style.visibility</p:attrName>
@@ -24245,60 +24392,7 @@
                                     </p:set>
                                     <p:animEffect transition="in" filter="blinds(horizontal)">
                                       <p:cBhvr>
-                                        <p:cTn id="37" dur="500"/>
-                                        <p:tgtEl>
-                                          <p:spTgt spid="13"/>
-                                        </p:tgtEl>
-                                      </p:cBhvr>
-                                    </p:animEffect>
-                                  </p:childTnLst>
-                                </p:cTn>
-                              </p:par>
-                            </p:childTnLst>
-                          </p:cTn>
-                        </p:par>
-                      </p:childTnLst>
-                    </p:cTn>
-                  </p:par>
-                  <p:par>
-                    <p:cTn id="38" fill="hold">
-                      <p:stCondLst>
-                        <p:cond delay="indefinite"/>
-                      </p:stCondLst>
-                      <p:childTnLst>
-                        <p:par>
-                          <p:cTn id="39" fill="hold">
-                            <p:stCondLst>
-                              <p:cond delay="0"/>
-                            </p:stCondLst>
-                            <p:childTnLst>
-                              <p:par>
-                                <p:cTn id="40" presetID="3" presetClass="entr" presetSubtype="10" fill="hold" grpId="0" nodeType="clickEffect">
-                                  <p:stCondLst>
-                                    <p:cond delay="0"/>
-                                  </p:stCondLst>
-                                  <p:childTnLst>
-                                    <p:set>
-                                      <p:cBhvr>
-                                        <p:cTn id="41" dur="1" fill="hold">
-                                          <p:stCondLst>
-                                            <p:cond delay="0"/>
-                                          </p:stCondLst>
-                                        </p:cTn>
-                                        <p:tgtEl>
-                                          <p:spTgt spid="14"/>
-                                        </p:tgtEl>
-                                        <p:attrNameLst>
-                                          <p:attrName>style.visibility</p:attrName>
-                                        </p:attrNameLst>
-                                      </p:cBhvr>
-                                      <p:to>
-                                        <p:strVal val="visible"/>
-                                      </p:to>
-                                    </p:set>
-                                    <p:animEffect transition="in" filter="blinds(horizontal)">
-                                      <p:cBhvr>
-                                        <p:cTn id="42" dur="500"/>
+                                        <p:cTn id="43" dur="500"/>
                                         <p:tgtEl>
                                           <p:spTgt spid="14"/>
                                         </p:tgtEl>
@@ -24335,11 +24429,12 @@
       </p:par>
     </p:tnLst>
     <p:bldLst>
-      <p:bldP spid="6" grpId="0"/>
       <p:bldP spid="11" grpId="0"/>
       <p:bldP spid="12" grpId="0"/>
       <p:bldP spid="13" grpId="0"/>
       <p:bldP spid="14" grpId="0"/>
+      <p:bldP spid="15" grpId="0"/>
+      <p:bldP spid="16" grpId="0"/>
     </p:bldLst>
   </p:timing>
 </p:sld>
@@ -24419,7 +24514,15 @@
             </a:r>
             <a:r>
               <a:rPr lang="el-GR" dirty="0" smtClean="0"/>
-              <a:t>  Δεν είναι κάτι διαφορετικό από την την εικονοποίηση, αλλά ένα υποείδος αυτής. </a:t>
+              <a:t>  Δεν είναι κάτι διαφορετικό από </a:t>
+            </a:r>
+            <a:r>
+              <a:rPr lang="el-GR" dirty="0" smtClean="0"/>
+              <a:t>την </a:t>
+            </a:r>
+            <a:r>
+              <a:rPr lang="el-GR" dirty="0" smtClean="0"/>
+              <a:t>εικονοποίηση, αλλά ένα υποείδος αυτής. </a:t>
             </a:r>
             <a:endParaRPr lang="en-US" dirty="0" smtClean="0"/>
           </a:p>
@@ -24460,7 +24563,7 @@
             </a:r>
             <a:r>
               <a:rPr lang="en-US" dirty="0" smtClean="0"/>
-              <a:t>host </a:t>
+              <a:t>guest </a:t>
             </a:r>
             <a:r>
               <a:rPr lang="el-GR" dirty="0" smtClean="0"/>
@@ -24472,7 +24575,11 @@
             </a:r>
             <a:r>
               <a:rPr lang="el-GR" dirty="0" smtClean="0"/>
-              <a:t>, ώστε να αντιμετωπίζονται με καλύτερο τρόπο συγκεκριμένα σενάρια εικονικοποίησης.</a:t>
+              <a:t>, </a:t>
+            </a:r>
+            <a:r>
+              <a:rPr lang="el-GR" dirty="0" smtClean="0"/>
+              <a:t>ώστε να αντιμετωπίζονται με καλύτερο τρόπο συγκεκριμένα σενάρια εικονικοποίησης.</a:t>
             </a:r>
             <a:endParaRPr lang="en-US" dirty="0"/>
           </a:p>
@@ -25321,28 +25428,22 @@
             </a:r>
             <a:r>
               <a:rPr lang="el-GR" dirty="0" smtClean="0"/>
-              <a:t> : μηχανισμός συνεργασίας </a:t>
-            </a:r>
-            <a:r>
-              <a:rPr lang="en-US" dirty="0" smtClean="0"/>
-              <a:t>guest </a:t>
-            </a:r>
-            <a:r>
-              <a:rPr lang="el-GR" dirty="0" smtClean="0"/>
-              <a:t>και </a:t>
-            </a:r>
-            <a:r>
-              <a:rPr lang="en-US" dirty="0" smtClean="0"/>
-              <a:t>host</a:t>
-            </a:r>
-            <a:r>
-              <a:rPr lang="el-GR" dirty="0" smtClean="0"/>
-              <a:t>.</a:t>
+              <a:t> : </a:t>
+            </a:r>
+            <a:r>
+              <a:rPr lang="en-US" dirty="0" err="1" smtClean="0"/>
+              <a:t>paravirtualization</a:t>
             </a:r>
             <a:r>
               <a:rPr lang="en-US" dirty="0" smtClean="0"/>
               <a:t> </a:t>
             </a:r>
+            <a:r>
+              <a:rPr lang="el-GR" dirty="0" smtClean="0"/>
+              <a:t>τεχνική.</a:t>
+            </a:r>
+          </a:p>
+          <a:p>
             <a:r>
               <a:rPr lang="el-GR" dirty="0" smtClean="0"/>
               <a:t>Αντιμετωπίζει αποτελεσματικά τη διαχείρηση της μνήμης</a:t>
@@ -25538,8 +25639,8 @@
         </p:nvSpPr>
         <p:spPr>
           <a:xfrm>
-            <a:off x="3886200" y="5791200"/>
-            <a:ext cx="4876800" cy="646331"/>
+            <a:off x="4343400" y="5334000"/>
+            <a:ext cx="4572000" cy="646331"/>
           </a:xfrm>
           <a:prstGeom prst="rect">
             <a:avLst/>
@@ -25558,15 +25659,15 @@
             </a:r>
             <a:r>
               <a:rPr lang="el-GR" dirty="0" smtClean="0"/>
-              <a:t>:  προηγούμενη εργασία της σχολής. </a:t>
+              <a:t>: η </a:t>
             </a:r>
             <a:r>
               <a:rPr lang="en-US" dirty="0" smtClean="0"/>
-              <a:t>Tmem </a:t>
-            </a:r>
-            <a:r>
-              <a:rPr lang="el-GR" dirty="0" smtClean="0"/>
-              <a:t>για προγράμματα</a:t>
+              <a:t>tmem </a:t>
+            </a:r>
+            <a:r>
+              <a:rPr lang="el-GR" dirty="0" smtClean="0"/>
+              <a:t>για τις εφαρμογές. Δημιουργήθηκε σε προηγούμενη εργασία</a:t>
             </a:r>
             <a:endParaRPr lang="en-US" dirty="0"/>
           </a:p>
